--- a/Term-Paper-Presentation.pptx
+++ b/Term-Paper-Presentation.pptx
@@ -18,8 +18,8 @@
     <p:sldId id="263" r:id="rId9"/>
     <p:sldId id="264" r:id="rId10"/>
     <p:sldId id="265" r:id="rId11"/>
-    <p:sldId id="266" r:id="rId12"/>
-    <p:sldId id="267" r:id="rId13"/>
+    <p:sldId id="267" r:id="rId12"/>
+    <p:sldId id="266" r:id="rId13"/>
   </p:sldIdLst>
   <p:sldSz cx="9144000" cy="6858000" type="screen4x3"/>
   <p:notesSz cx="6858000" cy="9144000"/>
@@ -121,12 +121,12 @@
   <p:extLst>
     <p:ext uri="{EFAFB233-063F-42B5-8137-9DF3F51BA10A}">
       <p15:sldGuideLst xmlns:p15="http://schemas.microsoft.com/office/powerpoint/2012/main">
-        <p15:guide id="1" orient="horz" pos="2160">
+        <p15:guide id="1" orient="horz" pos="2160" userDrawn="1">
           <p15:clr>
             <a:srgbClr val="A4A3A4"/>
           </p15:clr>
         </p15:guide>
-        <p15:guide id="2" pos="2880">
+        <p15:guide id="2" pos="2880" userDrawn="1">
           <p15:clr>
             <a:srgbClr val="A4A3A4"/>
           </p15:clr>
@@ -514,7 +514,12 @@
             <p:ph type="sldImg"/>
           </p:nvPr>
         </p:nvSpPr>
-        <p:spPr/>
+        <p:spPr>
+          <a:xfrm>
+            <a:off x="1371600" y="1143000"/>
+            <a:ext cx="4114800" cy="3086100"/>
+          </a:xfrm>
+        </p:spPr>
       </p:sp>
       <p:sp>
         <p:nvSpPr>
@@ -598,7 +603,12 @@
             <p:ph type="sldImg"/>
           </p:nvPr>
         </p:nvSpPr>
-        <p:spPr/>
+        <p:spPr>
+          <a:xfrm>
+            <a:off x="1371600" y="1143000"/>
+            <a:ext cx="4114800" cy="3086100"/>
+          </a:xfrm>
+        </p:spPr>
       </p:sp>
       <p:sp>
         <p:nvSpPr>
@@ -682,7 +692,12 @@
             <p:ph type="sldImg"/>
           </p:nvPr>
         </p:nvSpPr>
-        <p:spPr/>
+        <p:spPr>
+          <a:xfrm>
+            <a:off x="1371600" y="1143000"/>
+            <a:ext cx="4114800" cy="3086100"/>
+          </a:xfrm>
+        </p:spPr>
       </p:sp>
       <p:sp>
         <p:nvSpPr>
@@ -801,7 +816,7 @@
         </p:nvSpPr>
         <p:spPr>
           <a:xfrm>
-            <a:off x="685800" y="2130425"/>
+            <a:off x="685800" y="2130431"/>
             <a:ext cx="7772400" cy="1470025"/>
           </a:xfrm>
         </p:spPr>
@@ -845,7 +860,7 @@
                 </a:solidFill>
               </a:defRPr>
             </a:lvl1pPr>
-            <a:lvl2pPr marL="457200" indent="0" algn="ctr">
+            <a:lvl2pPr marL="457189" indent="0" algn="ctr">
               <a:buNone/>
               <a:defRPr>
                 <a:solidFill>
@@ -855,7 +870,7 @@
                 </a:solidFill>
               </a:defRPr>
             </a:lvl2pPr>
-            <a:lvl3pPr marL="914400" indent="0" algn="ctr">
+            <a:lvl3pPr marL="914377" indent="0" algn="ctr">
               <a:buNone/>
               <a:defRPr>
                 <a:solidFill>
@@ -865,7 +880,7 @@
                 </a:solidFill>
               </a:defRPr>
             </a:lvl3pPr>
-            <a:lvl4pPr marL="1371600" indent="0" algn="ctr">
+            <a:lvl4pPr marL="1371566" indent="0" algn="ctr">
               <a:buNone/>
               <a:defRPr>
                 <a:solidFill>
@@ -875,7 +890,7 @@
                 </a:solidFill>
               </a:defRPr>
             </a:lvl4pPr>
-            <a:lvl5pPr marL="1828800" indent="0" algn="ctr">
+            <a:lvl5pPr marL="1828754" indent="0" algn="ctr">
               <a:buNone/>
               <a:defRPr>
                 <a:solidFill>
@@ -885,7 +900,7 @@
                 </a:solidFill>
               </a:defRPr>
             </a:lvl5pPr>
-            <a:lvl6pPr marL="2286000" indent="0" algn="ctr">
+            <a:lvl6pPr marL="2285943" indent="0" algn="ctr">
               <a:buNone/>
               <a:defRPr>
                 <a:solidFill>
@@ -895,7 +910,7 @@
                 </a:solidFill>
               </a:defRPr>
             </a:lvl6pPr>
-            <a:lvl7pPr marL="2743200" indent="0" algn="ctr">
+            <a:lvl7pPr marL="2743131" indent="0" algn="ctr">
               <a:buNone/>
               <a:defRPr>
                 <a:solidFill>
@@ -905,7 +920,7 @@
                 </a:solidFill>
               </a:defRPr>
             </a:lvl7pPr>
-            <a:lvl8pPr marL="3200400" indent="0" algn="ctr">
+            <a:lvl8pPr marL="3200320" indent="0" algn="ctr">
               <a:buNone/>
               <a:defRPr>
                 <a:solidFill>
@@ -915,7 +930,7 @@
                 </a:solidFill>
               </a:defRPr>
             </a:lvl8pPr>
-            <a:lvl9pPr marL="3657600" indent="0" algn="ctr">
+            <a:lvl9pPr marL="3657509" indent="0" algn="ctr">
               <a:buNone/>
               <a:defRPr>
                 <a:solidFill>
@@ -1209,7 +1224,7 @@
         </p:nvSpPr>
         <p:spPr>
           <a:xfrm>
-            <a:off x="6629400" y="274638"/>
+            <a:off x="6629400" y="274644"/>
             <a:ext cx="2057400" cy="5851525"/>
           </a:xfrm>
         </p:spPr>
@@ -1236,7 +1251,7 @@
         </p:nvSpPr>
         <p:spPr>
           <a:xfrm>
-            <a:off x="457200" y="274638"/>
+            <a:off x="457200" y="274644"/>
             <a:ext cx="6019800" cy="5851525"/>
           </a:xfrm>
         </p:spPr>
@@ -1555,7 +1570,7 @@
         </p:nvSpPr>
         <p:spPr>
           <a:xfrm>
-            <a:off x="722313" y="4406900"/>
+            <a:off x="722313" y="4406906"/>
             <a:ext cx="7772400" cy="1362075"/>
           </a:xfrm>
         </p:spPr>
@@ -1603,7 +1618,7 @@
                 </a:solidFill>
               </a:defRPr>
             </a:lvl1pPr>
-            <a:lvl2pPr marL="457200" indent="0">
+            <a:lvl2pPr marL="457189" indent="0">
               <a:buNone/>
               <a:defRPr sz="1800">
                 <a:solidFill>
@@ -1613,7 +1628,7 @@
                 </a:solidFill>
               </a:defRPr>
             </a:lvl2pPr>
-            <a:lvl3pPr marL="914400" indent="0">
+            <a:lvl3pPr marL="914377" indent="0">
               <a:buNone/>
               <a:defRPr sz="1600">
                 <a:solidFill>
@@ -1623,7 +1638,7 @@
                 </a:solidFill>
               </a:defRPr>
             </a:lvl3pPr>
-            <a:lvl4pPr marL="1371600" indent="0">
+            <a:lvl4pPr marL="1371566" indent="0">
               <a:buNone/>
               <a:defRPr sz="1400">
                 <a:solidFill>
@@ -1633,7 +1648,7 @@
                 </a:solidFill>
               </a:defRPr>
             </a:lvl4pPr>
-            <a:lvl5pPr marL="1828800" indent="0">
+            <a:lvl5pPr marL="1828754" indent="0">
               <a:buNone/>
               <a:defRPr sz="1400">
                 <a:solidFill>
@@ -1643,7 +1658,7 @@
                 </a:solidFill>
               </a:defRPr>
             </a:lvl5pPr>
-            <a:lvl6pPr marL="2286000" indent="0">
+            <a:lvl6pPr marL="2285943" indent="0">
               <a:buNone/>
               <a:defRPr sz="1400">
                 <a:solidFill>
@@ -1653,7 +1668,7 @@
                 </a:solidFill>
               </a:defRPr>
             </a:lvl6pPr>
-            <a:lvl7pPr marL="2743200" indent="0">
+            <a:lvl7pPr marL="2743131" indent="0">
               <a:buNone/>
               <a:defRPr sz="1400">
                 <a:solidFill>
@@ -1663,7 +1678,7 @@
                 </a:solidFill>
               </a:defRPr>
             </a:lvl7pPr>
-            <a:lvl8pPr marL="3200400" indent="0">
+            <a:lvl8pPr marL="3200320" indent="0">
               <a:buNone/>
               <a:defRPr sz="1400">
                 <a:solidFill>
@@ -1673,7 +1688,7 @@
                 </a:solidFill>
               </a:defRPr>
             </a:lvl8pPr>
-            <a:lvl9pPr marL="3657600" indent="0">
+            <a:lvl9pPr marL="3657509" indent="0">
               <a:buNone/>
               <a:defRPr sz="1400">
                 <a:solidFill>
@@ -1822,7 +1837,7 @@
         </p:nvSpPr>
         <p:spPr>
           <a:xfrm>
-            <a:off x="457200" y="1600200"/>
+            <a:off x="457200" y="1600206"/>
             <a:ext cx="4038600" cy="4525963"/>
           </a:xfrm>
         </p:spPr>
@@ -1906,7 +1921,7 @@
         </p:nvSpPr>
         <p:spPr>
           <a:xfrm>
-            <a:off x="4648200" y="1600200"/>
+            <a:off x="4648200" y="1600206"/>
             <a:ext cx="4038600" cy="4525963"/>
           </a:xfrm>
         </p:spPr>
@@ -2122,35 +2137,35 @@
               <a:buNone/>
               <a:defRPr sz="2400" b="1"/>
             </a:lvl1pPr>
-            <a:lvl2pPr marL="457200" indent="0">
+            <a:lvl2pPr marL="457189" indent="0">
               <a:buNone/>
               <a:defRPr sz="2000" b="1"/>
             </a:lvl2pPr>
-            <a:lvl3pPr marL="914400" indent="0">
+            <a:lvl3pPr marL="914377" indent="0">
               <a:buNone/>
               <a:defRPr sz="1800" b="1"/>
             </a:lvl3pPr>
-            <a:lvl4pPr marL="1371600" indent="0">
+            <a:lvl4pPr marL="1371566" indent="0">
               <a:buNone/>
               <a:defRPr sz="1600" b="1"/>
             </a:lvl4pPr>
-            <a:lvl5pPr marL="1828800" indent="0">
+            <a:lvl5pPr marL="1828754" indent="0">
               <a:buNone/>
               <a:defRPr sz="1600" b="1"/>
             </a:lvl5pPr>
-            <a:lvl6pPr marL="2286000" indent="0">
+            <a:lvl6pPr marL="2285943" indent="0">
               <a:buNone/>
               <a:defRPr sz="1600" b="1"/>
             </a:lvl6pPr>
-            <a:lvl7pPr marL="2743200" indent="0">
+            <a:lvl7pPr marL="2743131" indent="0">
               <a:buNone/>
               <a:defRPr sz="1600" b="1"/>
             </a:lvl7pPr>
-            <a:lvl8pPr marL="3200400" indent="0">
+            <a:lvl8pPr marL="3200320" indent="0">
               <a:buNone/>
               <a:defRPr sz="1600" b="1"/>
             </a:lvl8pPr>
-            <a:lvl9pPr marL="3657600" indent="0">
+            <a:lvl9pPr marL="3657509" indent="0">
               <a:buNone/>
               <a:defRPr sz="1600" b="1"/>
             </a:lvl9pPr>
@@ -2260,7 +2275,7 @@
         </p:nvSpPr>
         <p:spPr>
           <a:xfrm>
-            <a:off x="4645025" y="1535113"/>
+            <a:off x="4645028" y="1535113"/>
             <a:ext cx="4041775" cy="639762"/>
           </a:xfrm>
         </p:spPr>
@@ -2271,35 +2286,35 @@
               <a:buNone/>
               <a:defRPr sz="2400" b="1"/>
             </a:lvl1pPr>
-            <a:lvl2pPr marL="457200" indent="0">
+            <a:lvl2pPr marL="457189" indent="0">
               <a:buNone/>
               <a:defRPr sz="2000" b="1"/>
             </a:lvl2pPr>
-            <a:lvl3pPr marL="914400" indent="0">
+            <a:lvl3pPr marL="914377" indent="0">
               <a:buNone/>
               <a:defRPr sz="1800" b="1"/>
             </a:lvl3pPr>
-            <a:lvl4pPr marL="1371600" indent="0">
+            <a:lvl4pPr marL="1371566" indent="0">
               <a:buNone/>
               <a:defRPr sz="1600" b="1"/>
             </a:lvl4pPr>
-            <a:lvl5pPr marL="1828800" indent="0">
+            <a:lvl5pPr marL="1828754" indent="0">
               <a:buNone/>
               <a:defRPr sz="1600" b="1"/>
             </a:lvl5pPr>
-            <a:lvl6pPr marL="2286000" indent="0">
+            <a:lvl6pPr marL="2285943" indent="0">
               <a:buNone/>
               <a:defRPr sz="1600" b="1"/>
             </a:lvl6pPr>
-            <a:lvl7pPr marL="2743200" indent="0">
+            <a:lvl7pPr marL="2743131" indent="0">
               <a:buNone/>
               <a:defRPr sz="1600" b="1"/>
             </a:lvl7pPr>
-            <a:lvl8pPr marL="3200400" indent="0">
+            <a:lvl8pPr marL="3200320" indent="0">
               <a:buNone/>
               <a:defRPr sz="1600" b="1"/>
             </a:lvl8pPr>
-            <a:lvl9pPr marL="3657600" indent="0">
+            <a:lvl9pPr marL="3657509" indent="0">
               <a:buNone/>
               <a:defRPr sz="1600" b="1"/>
             </a:lvl9pPr>
@@ -2325,7 +2340,7 @@
         </p:nvSpPr>
         <p:spPr>
           <a:xfrm>
-            <a:off x="4645025" y="2174875"/>
+            <a:off x="4645028" y="2174875"/>
             <a:ext cx="4041775" cy="3951288"/>
           </a:xfrm>
         </p:spPr>
@@ -2716,7 +2731,7 @@
         </p:nvSpPr>
         <p:spPr>
           <a:xfrm>
-            <a:off x="457200" y="273050"/>
+            <a:off x="457202" y="273050"/>
             <a:ext cx="3008313" cy="1162050"/>
           </a:xfrm>
         </p:spPr>
@@ -2747,7 +2762,7 @@
         </p:nvSpPr>
         <p:spPr>
           <a:xfrm>
-            <a:off x="3575050" y="273050"/>
+            <a:off x="3575050" y="273056"/>
             <a:ext cx="5111750" cy="5853113"/>
           </a:xfrm>
         </p:spPr>
@@ -2831,7 +2846,7 @@
         </p:nvSpPr>
         <p:spPr>
           <a:xfrm>
-            <a:off x="457200" y="1435100"/>
+            <a:off x="457202" y="1435103"/>
             <a:ext cx="3008313" cy="4691063"/>
           </a:xfrm>
         </p:spPr>
@@ -2842,35 +2857,35 @@
               <a:buNone/>
               <a:defRPr sz="1400"/>
             </a:lvl1pPr>
-            <a:lvl2pPr marL="457200" indent="0">
+            <a:lvl2pPr marL="457189" indent="0">
               <a:buNone/>
               <a:defRPr sz="1200"/>
             </a:lvl2pPr>
-            <a:lvl3pPr marL="914400" indent="0">
+            <a:lvl3pPr marL="914377" indent="0">
               <a:buNone/>
               <a:defRPr sz="1000"/>
             </a:lvl3pPr>
-            <a:lvl4pPr marL="1371600" indent="0">
+            <a:lvl4pPr marL="1371566" indent="0">
               <a:buNone/>
               <a:defRPr sz="900"/>
             </a:lvl4pPr>
-            <a:lvl5pPr marL="1828800" indent="0">
+            <a:lvl5pPr marL="1828754" indent="0">
               <a:buNone/>
               <a:defRPr sz="900"/>
             </a:lvl5pPr>
-            <a:lvl6pPr marL="2286000" indent="0">
+            <a:lvl6pPr marL="2285943" indent="0">
               <a:buNone/>
               <a:defRPr sz="900"/>
             </a:lvl6pPr>
-            <a:lvl7pPr marL="2743200" indent="0">
+            <a:lvl7pPr marL="2743131" indent="0">
               <a:buNone/>
               <a:defRPr sz="900"/>
             </a:lvl7pPr>
-            <a:lvl8pPr marL="3200400" indent="0">
+            <a:lvl8pPr marL="3200320" indent="0">
               <a:buNone/>
               <a:defRPr sz="900"/>
             </a:lvl8pPr>
-            <a:lvl9pPr marL="3657600" indent="0">
+            <a:lvl9pPr marL="3657509" indent="0">
               <a:buNone/>
               <a:defRPr sz="900"/>
             </a:lvl9pPr>
@@ -3033,35 +3048,35 @@
               <a:buNone/>
               <a:defRPr sz="3200"/>
             </a:lvl1pPr>
-            <a:lvl2pPr marL="457200" indent="0">
+            <a:lvl2pPr marL="457189" indent="0">
               <a:buNone/>
               <a:defRPr sz="2800"/>
             </a:lvl2pPr>
-            <a:lvl3pPr marL="914400" indent="0">
+            <a:lvl3pPr marL="914377" indent="0">
               <a:buNone/>
               <a:defRPr sz="2400"/>
             </a:lvl3pPr>
-            <a:lvl4pPr marL="1371600" indent="0">
+            <a:lvl4pPr marL="1371566" indent="0">
               <a:buNone/>
               <a:defRPr sz="2000"/>
             </a:lvl4pPr>
-            <a:lvl5pPr marL="1828800" indent="0">
+            <a:lvl5pPr marL="1828754" indent="0">
               <a:buNone/>
               <a:defRPr sz="2000"/>
             </a:lvl5pPr>
-            <a:lvl6pPr marL="2286000" indent="0">
+            <a:lvl6pPr marL="2285943" indent="0">
               <a:buNone/>
               <a:defRPr sz="2000"/>
             </a:lvl6pPr>
-            <a:lvl7pPr marL="2743200" indent="0">
+            <a:lvl7pPr marL="2743131" indent="0">
               <a:buNone/>
               <a:defRPr sz="2000"/>
             </a:lvl7pPr>
-            <a:lvl8pPr marL="3200400" indent="0">
+            <a:lvl8pPr marL="3200320" indent="0">
               <a:buNone/>
               <a:defRPr sz="2000"/>
             </a:lvl8pPr>
-            <a:lvl9pPr marL="3657600" indent="0">
+            <a:lvl9pPr marL="3657509" indent="0">
               <a:buNone/>
               <a:defRPr sz="2000"/>
             </a:lvl9pPr>
@@ -3094,35 +3109,35 @@
               <a:buNone/>
               <a:defRPr sz="1400"/>
             </a:lvl1pPr>
-            <a:lvl2pPr marL="457200" indent="0">
+            <a:lvl2pPr marL="457189" indent="0">
               <a:buNone/>
               <a:defRPr sz="1200"/>
             </a:lvl2pPr>
-            <a:lvl3pPr marL="914400" indent="0">
+            <a:lvl3pPr marL="914377" indent="0">
               <a:buNone/>
               <a:defRPr sz="1000"/>
             </a:lvl3pPr>
-            <a:lvl4pPr marL="1371600" indent="0">
+            <a:lvl4pPr marL="1371566" indent="0">
               <a:buNone/>
               <a:defRPr sz="900"/>
             </a:lvl4pPr>
-            <a:lvl5pPr marL="1828800" indent="0">
+            <a:lvl5pPr marL="1828754" indent="0">
               <a:buNone/>
               <a:defRPr sz="900"/>
             </a:lvl5pPr>
-            <a:lvl6pPr marL="2286000" indent="0">
+            <a:lvl6pPr marL="2285943" indent="0">
               <a:buNone/>
               <a:defRPr sz="900"/>
             </a:lvl6pPr>
-            <a:lvl7pPr marL="2743200" indent="0">
+            <a:lvl7pPr marL="2743131" indent="0">
               <a:buNone/>
               <a:defRPr sz="900"/>
             </a:lvl7pPr>
-            <a:lvl8pPr marL="3200400" indent="0">
+            <a:lvl8pPr marL="3200320" indent="0">
               <a:buNone/>
               <a:defRPr sz="900"/>
             </a:lvl8pPr>
-            <a:lvl9pPr marL="3657600" indent="0">
+            <a:lvl9pPr marL="3657509" indent="0">
               <a:buNone/>
               <a:defRPr sz="900"/>
             </a:lvl9pPr>
@@ -3280,7 +3295,7 @@
         </p:nvSpPr>
         <p:spPr>
           <a:xfrm>
-            <a:off x="457200" y="1600200"/>
+            <a:off x="457200" y="1600206"/>
             <a:ext cx="8229600" cy="4525963"/>
           </a:xfrm>
           <a:prstGeom prst="rect">
@@ -3341,7 +3356,7 @@
         </p:nvSpPr>
         <p:spPr>
           <a:xfrm>
-            <a:off x="457200" y="6356350"/>
+            <a:off x="457200" y="6356356"/>
             <a:ext cx="2133600" cy="365125"/>
           </a:xfrm>
           <a:prstGeom prst="rect">
@@ -3382,7 +3397,7 @@
         </p:nvSpPr>
         <p:spPr>
           <a:xfrm>
-            <a:off x="3124200" y="6356350"/>
+            <a:off x="3124200" y="6356356"/>
             <a:ext cx="2895600" cy="365125"/>
           </a:xfrm>
           <a:prstGeom prst="rect">
@@ -3419,7 +3434,7 @@
         </p:nvSpPr>
         <p:spPr>
           <a:xfrm>
-            <a:off x="6553200" y="6356350"/>
+            <a:off x="6553200" y="6356356"/>
             <a:ext cx="2133600" cy="365125"/>
           </a:xfrm>
           <a:prstGeom prst="rect">
@@ -3471,7 +3486,7 @@
   </p:sldLayoutIdLst>
   <p:txStyles>
     <p:titleStyle>
-      <a:lvl1pPr algn="ctr" defTabSz="457200" rtl="0" eaLnBrk="1" latinLnBrk="0" hangingPunct="1">
+      <a:lvl1pPr algn="ctr" defTabSz="457189" rtl="0" eaLnBrk="1" latinLnBrk="0" hangingPunct="1">
         <a:spcBef>
           <a:spcPct val="0"/>
         </a:spcBef>
@@ -3487,7 +3502,7 @@
       </a:lvl1pPr>
     </p:titleStyle>
     <p:bodyStyle>
-      <a:lvl1pPr marL="342900" indent="-342900" algn="l" defTabSz="457200" rtl="0" eaLnBrk="1" latinLnBrk="0" hangingPunct="1">
+      <a:lvl1pPr marL="342891" indent="-342891" algn="l" defTabSz="457189" rtl="0" eaLnBrk="1" latinLnBrk="0" hangingPunct="1">
         <a:spcBef>
           <a:spcPct val="20000"/>
         </a:spcBef>
@@ -3502,7 +3517,7 @@
           <a:cs typeface="+mn-cs"/>
         </a:defRPr>
       </a:lvl1pPr>
-      <a:lvl2pPr marL="742950" indent="-285750" algn="l" defTabSz="457200" rtl="0" eaLnBrk="1" latinLnBrk="0" hangingPunct="1">
+      <a:lvl2pPr marL="742932" indent="-285744" algn="l" defTabSz="457189" rtl="0" eaLnBrk="1" latinLnBrk="0" hangingPunct="1">
         <a:spcBef>
           <a:spcPct val="20000"/>
         </a:spcBef>
@@ -3517,7 +3532,7 @@
           <a:cs typeface="+mn-cs"/>
         </a:defRPr>
       </a:lvl2pPr>
-      <a:lvl3pPr marL="1143000" indent="-228600" algn="l" defTabSz="457200" rtl="0" eaLnBrk="1" latinLnBrk="0" hangingPunct="1">
+      <a:lvl3pPr marL="1142971" indent="-228594" algn="l" defTabSz="457189" rtl="0" eaLnBrk="1" latinLnBrk="0" hangingPunct="1">
         <a:spcBef>
           <a:spcPct val="20000"/>
         </a:spcBef>
@@ -3532,7 +3547,7 @@
           <a:cs typeface="+mn-cs"/>
         </a:defRPr>
       </a:lvl3pPr>
-      <a:lvl4pPr marL="1600200" indent="-228600" algn="l" defTabSz="457200" rtl="0" eaLnBrk="1" latinLnBrk="0" hangingPunct="1">
+      <a:lvl4pPr marL="1600160" indent="-228594" algn="l" defTabSz="457189" rtl="0" eaLnBrk="1" latinLnBrk="0" hangingPunct="1">
         <a:spcBef>
           <a:spcPct val="20000"/>
         </a:spcBef>
@@ -3547,7 +3562,7 @@
           <a:cs typeface="+mn-cs"/>
         </a:defRPr>
       </a:lvl4pPr>
-      <a:lvl5pPr marL="2057400" indent="-228600" algn="l" defTabSz="457200" rtl="0" eaLnBrk="1" latinLnBrk="0" hangingPunct="1">
+      <a:lvl5pPr marL="2057349" indent="-228594" algn="l" defTabSz="457189" rtl="0" eaLnBrk="1" latinLnBrk="0" hangingPunct="1">
         <a:spcBef>
           <a:spcPct val="20000"/>
         </a:spcBef>
@@ -3562,7 +3577,7 @@
           <a:cs typeface="+mn-cs"/>
         </a:defRPr>
       </a:lvl5pPr>
-      <a:lvl6pPr marL="2514600" indent="-228600" algn="l" defTabSz="457200" rtl="0" eaLnBrk="1" latinLnBrk="0" hangingPunct="1">
+      <a:lvl6pPr marL="2514537" indent="-228594" algn="l" defTabSz="457189" rtl="0" eaLnBrk="1" latinLnBrk="0" hangingPunct="1">
         <a:spcBef>
           <a:spcPct val="20000"/>
         </a:spcBef>
@@ -3577,7 +3592,7 @@
           <a:cs typeface="+mn-cs"/>
         </a:defRPr>
       </a:lvl6pPr>
-      <a:lvl7pPr marL="2971800" indent="-228600" algn="l" defTabSz="457200" rtl="0" eaLnBrk="1" latinLnBrk="0" hangingPunct="1">
+      <a:lvl7pPr marL="2971726" indent="-228594" algn="l" defTabSz="457189" rtl="0" eaLnBrk="1" latinLnBrk="0" hangingPunct="1">
         <a:spcBef>
           <a:spcPct val="20000"/>
         </a:spcBef>
@@ -3592,7 +3607,7 @@
           <a:cs typeface="+mn-cs"/>
         </a:defRPr>
       </a:lvl7pPr>
-      <a:lvl8pPr marL="3429000" indent="-228600" algn="l" defTabSz="457200" rtl="0" eaLnBrk="1" latinLnBrk="0" hangingPunct="1">
+      <a:lvl8pPr marL="3428914" indent="-228594" algn="l" defTabSz="457189" rtl="0" eaLnBrk="1" latinLnBrk="0" hangingPunct="1">
         <a:spcBef>
           <a:spcPct val="20000"/>
         </a:spcBef>
@@ -3607,7 +3622,7 @@
           <a:cs typeface="+mn-cs"/>
         </a:defRPr>
       </a:lvl8pPr>
-      <a:lvl9pPr marL="3886200" indent="-228600" algn="l" defTabSz="457200" rtl="0" eaLnBrk="1" latinLnBrk="0" hangingPunct="1">
+      <a:lvl9pPr marL="3886103" indent="-228594" algn="l" defTabSz="457189" rtl="0" eaLnBrk="1" latinLnBrk="0" hangingPunct="1">
         <a:spcBef>
           <a:spcPct val="20000"/>
         </a:spcBef>
@@ -3627,7 +3642,7 @@
       <a:defPPr>
         <a:defRPr lang="en-US"/>
       </a:defPPr>
-      <a:lvl1pPr marL="0" algn="l" defTabSz="457200" rtl="0" eaLnBrk="1" latinLnBrk="0" hangingPunct="1">
+      <a:lvl1pPr marL="0" algn="l" defTabSz="457189" rtl="0" eaLnBrk="1" latinLnBrk="0" hangingPunct="1">
         <a:defRPr sz="1800" kern="1200">
           <a:solidFill>
             <a:schemeClr val="tx1"/>
@@ -3637,7 +3652,7 @@
           <a:cs typeface="+mn-cs"/>
         </a:defRPr>
       </a:lvl1pPr>
-      <a:lvl2pPr marL="457200" algn="l" defTabSz="457200" rtl="0" eaLnBrk="1" latinLnBrk="0" hangingPunct="1">
+      <a:lvl2pPr marL="457189" algn="l" defTabSz="457189" rtl="0" eaLnBrk="1" latinLnBrk="0" hangingPunct="1">
         <a:defRPr sz="1800" kern="1200">
           <a:solidFill>
             <a:schemeClr val="tx1"/>
@@ -3647,7 +3662,7 @@
           <a:cs typeface="+mn-cs"/>
         </a:defRPr>
       </a:lvl2pPr>
-      <a:lvl3pPr marL="914400" algn="l" defTabSz="457200" rtl="0" eaLnBrk="1" latinLnBrk="0" hangingPunct="1">
+      <a:lvl3pPr marL="914377" algn="l" defTabSz="457189" rtl="0" eaLnBrk="1" latinLnBrk="0" hangingPunct="1">
         <a:defRPr sz="1800" kern="1200">
           <a:solidFill>
             <a:schemeClr val="tx1"/>
@@ -3657,7 +3672,7 @@
           <a:cs typeface="+mn-cs"/>
         </a:defRPr>
       </a:lvl3pPr>
-      <a:lvl4pPr marL="1371600" algn="l" defTabSz="457200" rtl="0" eaLnBrk="1" latinLnBrk="0" hangingPunct="1">
+      <a:lvl4pPr marL="1371566" algn="l" defTabSz="457189" rtl="0" eaLnBrk="1" latinLnBrk="0" hangingPunct="1">
         <a:defRPr sz="1800" kern="1200">
           <a:solidFill>
             <a:schemeClr val="tx1"/>
@@ -3667,7 +3682,7 @@
           <a:cs typeface="+mn-cs"/>
         </a:defRPr>
       </a:lvl4pPr>
-      <a:lvl5pPr marL="1828800" algn="l" defTabSz="457200" rtl="0" eaLnBrk="1" latinLnBrk="0" hangingPunct="1">
+      <a:lvl5pPr marL="1828754" algn="l" defTabSz="457189" rtl="0" eaLnBrk="1" latinLnBrk="0" hangingPunct="1">
         <a:defRPr sz="1800" kern="1200">
           <a:solidFill>
             <a:schemeClr val="tx1"/>
@@ -3677,7 +3692,7 @@
           <a:cs typeface="+mn-cs"/>
         </a:defRPr>
       </a:lvl5pPr>
-      <a:lvl6pPr marL="2286000" algn="l" defTabSz="457200" rtl="0" eaLnBrk="1" latinLnBrk="0" hangingPunct="1">
+      <a:lvl6pPr marL="2285943" algn="l" defTabSz="457189" rtl="0" eaLnBrk="1" latinLnBrk="0" hangingPunct="1">
         <a:defRPr sz="1800" kern="1200">
           <a:solidFill>
             <a:schemeClr val="tx1"/>
@@ -3687,7 +3702,7 @@
           <a:cs typeface="+mn-cs"/>
         </a:defRPr>
       </a:lvl6pPr>
-      <a:lvl7pPr marL="2743200" algn="l" defTabSz="457200" rtl="0" eaLnBrk="1" latinLnBrk="0" hangingPunct="1">
+      <a:lvl7pPr marL="2743131" algn="l" defTabSz="457189" rtl="0" eaLnBrk="1" latinLnBrk="0" hangingPunct="1">
         <a:defRPr sz="1800" kern="1200">
           <a:solidFill>
             <a:schemeClr val="tx1"/>
@@ -3697,7 +3712,7 @@
           <a:cs typeface="+mn-cs"/>
         </a:defRPr>
       </a:lvl7pPr>
-      <a:lvl8pPr marL="3200400" algn="l" defTabSz="457200" rtl="0" eaLnBrk="1" latinLnBrk="0" hangingPunct="1">
+      <a:lvl8pPr marL="3200320" algn="l" defTabSz="457189" rtl="0" eaLnBrk="1" latinLnBrk="0" hangingPunct="1">
         <a:defRPr sz="1800" kern="1200">
           <a:solidFill>
             <a:schemeClr val="tx1"/>
@@ -3707,7 +3722,7 @@
           <a:cs typeface="+mn-cs"/>
         </a:defRPr>
       </a:lvl8pPr>
-      <a:lvl9pPr marL="3657600" algn="l" defTabSz="457200" rtl="0" eaLnBrk="1" latinLnBrk="0" hangingPunct="1">
+      <a:lvl9pPr marL="3657509" algn="l" defTabSz="457189" rtl="0" eaLnBrk="1" latinLnBrk="0" hangingPunct="1">
         <a:defRPr sz="1800" kern="1200">
           <a:solidFill>
             <a:schemeClr val="tx1"/>
@@ -3751,7 +3766,7 @@
         </p:nvSpPr>
         <p:spPr>
           <a:xfrm>
-            <a:off x="685800" y="244219"/>
+            <a:off x="685800" y="244225"/>
             <a:ext cx="7772400" cy="1470025"/>
           </a:xfrm>
         </p:spPr>
@@ -3778,7 +3793,7 @@
         </p:nvSpPr>
         <p:spPr>
           <a:xfrm>
-            <a:off x="1253614" y="1875504"/>
+            <a:off x="1253615" y="1875510"/>
             <a:ext cx="6400800" cy="1200329"/>
           </a:xfrm>
         </p:spPr>
@@ -3807,8 +3822,8 @@
         </p:nvSpPr>
         <p:spPr>
           <a:xfrm>
-            <a:off x="5715001" y="5407742"/>
-            <a:ext cx="3136490" cy="1200329"/>
+            <a:off x="5715002" y="5407747"/>
+            <a:ext cx="3136491" cy="1200329"/>
           </a:xfrm>
           <a:prstGeom prst="rect">
             <a:avLst/>
@@ -3891,8 +3906,8 @@
         </p:blipFill>
         <p:spPr bwMode="auto">
           <a:xfrm>
-            <a:off x="1039762" y="3075833"/>
-            <a:ext cx="3532238" cy="3532238"/>
+            <a:off x="1039763" y="3075835"/>
+            <a:ext cx="3532239" cy="3532239"/>
           </a:xfrm>
           <a:prstGeom prst="rect">
             <a:avLst/>
@@ -3985,7 +4000,7 @@
         </p:nvSpPr>
         <p:spPr bwMode="auto">
           <a:xfrm>
-            <a:off x="974957" y="2401244"/>
+            <a:off x="974962" y="2401249"/>
             <a:ext cx="7194085" cy="2923877"/>
           </a:xfrm>
           <a:prstGeom prst="rect">
@@ -4026,7 +4041,7 @@
           </a:extLst>
         </p:spPr>
         <p:txBody>
-          <a:bodyPr vert="horz" wrap="none" lIns="91440" tIns="45720" rIns="91440" bIns="45720" numCol="1" anchor="ctr" anchorCtr="0" compatLnSpc="1">
+          <a:bodyPr vert="horz" wrap="none" lIns="91440" tIns="45720" rIns="91440" bIns="45720" numCol="1" rtlCol="0" anchor="ctr" anchorCtr="0" compatLnSpc="1">
             <a:prstTxWarp prst="textNoShape">
               <a:avLst/>
             </a:prstTxWarp>
@@ -4034,41 +4049,25 @@
           </a:bodyPr>
           <a:lstStyle/>
           <a:p>
-            <a:pPr defTabSz="914400" eaLnBrk="0" fontAlgn="base" hangingPunct="0">
-              <a:spcBef>
-                <a:spcPct val="0"/>
-              </a:spcBef>
-              <a:spcAft>
-                <a:spcPct val="0"/>
-              </a:spcAft>
-            </a:pPr>
-            <a:r>
-              <a:rPr kumimoji="0" lang="en-US" altLang="en-US" sz="1800" b="1" i="0" u="none" strike="noStrike" cap="none" normalizeH="0" baseline="0" dirty="0">
-                <a:ln>
-                  <a:noFill/>
-                </a:ln>
-                <a:solidFill>
-                  <a:schemeClr val="tx1"/>
-                </a:solidFill>
-                <a:effectLst/>
-              </a:rPr>
+            <a:pPr defTabSz="914377" eaLnBrk="0" fontAlgn="base" hangingPunct="0">
+              <a:spcBef>
+                <a:spcPct val="0"/>
+              </a:spcBef>
+              <a:spcAft>
+                <a:spcPct val="0"/>
+              </a:spcAft>
+            </a:pPr>
+            <a:r>
+              <a:rPr lang="en-US" altLang="en-US" sz="1800" b="1" dirty="0"/>
               <a:t>Key Takeaways</a:t>
             </a:r>
             <a:r>
-              <a:rPr kumimoji="0" lang="en-US" altLang="en-US" sz="1800" b="0" i="0" u="none" strike="noStrike" cap="none" normalizeH="0" baseline="0" dirty="0">
-                <a:ln>
-                  <a:noFill/>
-                </a:ln>
-                <a:solidFill>
-                  <a:schemeClr val="tx1"/>
-                </a:solidFill>
-                <a:effectLst/>
-              </a:rPr>
+              <a:rPr lang="en-US" altLang="en-US" sz="1800" dirty="0"/>
               <a:t>:</a:t>
             </a:r>
           </a:p>
           <a:p>
-            <a:pPr marL="685800" lvl="1" defTabSz="914400" eaLnBrk="0" fontAlgn="base" hangingPunct="0">
+            <a:pPr marL="685783" lvl="1" defTabSz="914377" eaLnBrk="0" fontAlgn="base" hangingPunct="0">
               <a:spcBef>
                 <a:spcPct val="0"/>
               </a:spcBef>
@@ -4079,20 +4078,12 @@
               <a:buChar char="§"/>
             </a:pPr>
             <a:r>
-              <a:rPr kumimoji="0" lang="en-US" altLang="en-US" sz="1600" b="0" i="0" u="none" strike="noStrike" cap="none" normalizeH="0" baseline="0" dirty="0">
-                <a:ln>
-                  <a:noFill/>
-                </a:ln>
-                <a:solidFill>
-                  <a:schemeClr val="tx1"/>
-                </a:solidFill>
-                <a:effectLst/>
-              </a:rPr>
+              <a:rPr lang="en-US" altLang="en-US" sz="1600" dirty="0"/>
               <a:t>AI has immense potential but poses significant moral and ethical challenges.</a:t>
             </a:r>
           </a:p>
           <a:p>
-            <a:pPr marL="685800" lvl="1" defTabSz="914400" eaLnBrk="0" fontAlgn="base" hangingPunct="0">
+            <a:pPr marL="685783" lvl="1" defTabSz="914377" eaLnBrk="0" fontAlgn="base" hangingPunct="0">
               <a:spcBef>
                 <a:spcPct val="0"/>
               </a:spcBef>
@@ -4103,74 +4094,42 @@
               <a:buChar char="§"/>
             </a:pPr>
             <a:r>
-              <a:rPr kumimoji="0" lang="en-US" altLang="en-US" sz="1600" b="0" i="0" u="none" strike="noStrike" cap="none" normalizeH="0" baseline="0" dirty="0">
-                <a:ln>
-                  <a:noFill/>
-                </a:ln>
-                <a:solidFill>
-                  <a:schemeClr val="tx1"/>
-                </a:solidFill>
-                <a:effectLst/>
-              </a:rPr>
+              <a:rPr lang="en-US" altLang="en-US" sz="1600" dirty="0"/>
               <a:t>Proactive measures are essential to prevent harm and ensure equity.</a:t>
             </a:r>
           </a:p>
           <a:p>
-            <a:pPr marL="400050" lvl="1" indent="0" defTabSz="914400" eaLnBrk="0" fontAlgn="base" hangingPunct="0">
-              <a:spcBef>
-                <a:spcPct val="0"/>
-              </a:spcBef>
-              <a:spcAft>
-                <a:spcPct val="0"/>
-              </a:spcAft>
-              <a:buNone/>
-            </a:pPr>
-            <a:endParaRPr kumimoji="0" lang="en-US" altLang="en-US" sz="1600" b="0" i="0" u="none" strike="noStrike" cap="none" normalizeH="0" baseline="0" dirty="0">
-              <a:ln>
-                <a:noFill/>
-              </a:ln>
-              <a:solidFill>
-                <a:schemeClr val="tx1"/>
-              </a:solidFill>
-              <a:effectLst/>
-            </a:endParaRPr>
-          </a:p>
-          <a:p>
-            <a:pPr defTabSz="914400" eaLnBrk="0" fontAlgn="base" hangingPunct="0">
-              <a:spcBef>
-                <a:spcPct val="0"/>
-              </a:spcBef>
-              <a:spcAft>
-                <a:spcPct val="0"/>
-              </a:spcAft>
-            </a:pPr>
-            <a:r>
-              <a:rPr kumimoji="0" lang="en-US" altLang="en-US" sz="1800" b="1" i="0" u="none" strike="noStrike" cap="none" normalizeH="0" baseline="0" dirty="0">
-                <a:ln>
-                  <a:noFill/>
-                </a:ln>
-                <a:solidFill>
-                  <a:schemeClr val="tx1"/>
-                </a:solidFill>
-                <a:effectLst/>
-              </a:rPr>
+            <a:pPr marL="400041" lvl="1" indent="0" defTabSz="914377" eaLnBrk="0" fontAlgn="base" hangingPunct="0">
+              <a:spcBef>
+                <a:spcPct val="0"/>
+              </a:spcBef>
+              <a:spcAft>
+                <a:spcPct val="0"/>
+              </a:spcAft>
+              <a:buNone/>
+            </a:pPr>
+            <a:endParaRPr lang="en-US" altLang="en-US" sz="1600" dirty="0"/>
+          </a:p>
+          <a:p>
+            <a:pPr defTabSz="914377" eaLnBrk="0" fontAlgn="base" hangingPunct="0">
+              <a:spcBef>
+                <a:spcPct val="0"/>
+              </a:spcBef>
+              <a:spcAft>
+                <a:spcPct val="0"/>
+              </a:spcAft>
+            </a:pPr>
+            <a:r>
+              <a:rPr lang="en-US" altLang="en-US" sz="1800" b="1" dirty="0"/>
               <a:t>Call to Action</a:t>
             </a:r>
             <a:r>
-              <a:rPr kumimoji="0" lang="en-US" altLang="en-US" sz="1800" b="0" i="0" u="none" strike="noStrike" cap="none" normalizeH="0" baseline="0" dirty="0">
-                <a:ln>
-                  <a:noFill/>
-                </a:ln>
-                <a:solidFill>
-                  <a:schemeClr val="tx1"/>
-                </a:solidFill>
-                <a:effectLst/>
-              </a:rPr>
+              <a:rPr lang="en-US" altLang="en-US" sz="1800" dirty="0"/>
               <a:t>:</a:t>
             </a:r>
           </a:p>
           <a:p>
-            <a:pPr marL="685800" lvl="1" defTabSz="914400" eaLnBrk="0" fontAlgn="base" hangingPunct="0">
+            <a:pPr marL="685783" lvl="1" defTabSz="914377" eaLnBrk="0" fontAlgn="base" hangingPunct="0">
               <a:spcBef>
                 <a:spcPct val="0"/>
               </a:spcBef>
@@ -4181,20 +4140,12 @@
               <a:buChar char="§"/>
             </a:pPr>
             <a:r>
-              <a:rPr kumimoji="0" lang="en-US" altLang="en-US" sz="1600" b="0" i="0" u="none" strike="noStrike" cap="none" normalizeH="0" baseline="0" dirty="0">
-                <a:ln>
-                  <a:noFill/>
-                </a:ln>
-                <a:solidFill>
-                  <a:schemeClr val="tx1"/>
-                </a:solidFill>
-                <a:effectLst/>
-              </a:rPr>
+              <a:rPr lang="en-US" altLang="en-US" sz="1600" dirty="0"/>
               <a:t>Encourage ethical design and responsible use of AI technologies.</a:t>
             </a:r>
           </a:p>
           <a:p>
-            <a:pPr marL="685800" lvl="1" defTabSz="914400" eaLnBrk="0" fontAlgn="base" hangingPunct="0">
+            <a:pPr marL="685783" lvl="1" defTabSz="914377" eaLnBrk="0" fontAlgn="base" hangingPunct="0">
               <a:spcBef>
                 <a:spcPct val="0"/>
               </a:spcBef>
@@ -4205,120 +4156,66 @@
               <a:buChar char="§"/>
             </a:pPr>
             <a:r>
-              <a:rPr kumimoji="0" lang="en-US" altLang="en-US" sz="1600" b="0" i="0" u="none" strike="noStrike" cap="none" normalizeH="0" baseline="0" dirty="0">
-                <a:ln>
-                  <a:noFill/>
-                </a:ln>
-                <a:solidFill>
-                  <a:schemeClr val="tx1"/>
-                </a:solidFill>
-                <a:effectLst/>
-              </a:rPr>
+              <a:rPr lang="en-US" altLang="en-US" sz="1600" dirty="0"/>
               <a:t>Advocate for global cooperation in addressing AI’s societal impacts.</a:t>
             </a:r>
           </a:p>
           <a:p>
-            <a:pPr marL="400050" lvl="1" indent="0" defTabSz="914400" eaLnBrk="0" fontAlgn="base" hangingPunct="0">
-              <a:spcBef>
-                <a:spcPct val="0"/>
-              </a:spcBef>
-              <a:spcAft>
-                <a:spcPct val="0"/>
-              </a:spcAft>
-              <a:buNone/>
-            </a:pPr>
-            <a:endParaRPr kumimoji="0" lang="en-US" altLang="en-US" sz="1600" b="0" i="0" u="none" strike="noStrike" cap="none" normalizeH="0" baseline="0" dirty="0">
-              <a:ln>
-                <a:noFill/>
-              </a:ln>
-              <a:solidFill>
-                <a:schemeClr val="tx1"/>
-              </a:solidFill>
-              <a:effectLst/>
-            </a:endParaRPr>
-          </a:p>
-          <a:p>
-            <a:pPr defTabSz="914400" eaLnBrk="0" fontAlgn="base" hangingPunct="0">
-              <a:spcBef>
-                <a:spcPct val="0"/>
-              </a:spcBef>
-              <a:spcAft>
-                <a:spcPct val="0"/>
-              </a:spcAft>
-            </a:pPr>
-            <a:r>
-              <a:rPr kumimoji="0" lang="en-US" altLang="en-US" sz="1800" b="1" i="0" u="none" strike="noStrike" cap="none" normalizeH="0" baseline="0" dirty="0">
-                <a:ln>
-                  <a:noFill/>
-                </a:ln>
-                <a:solidFill>
-                  <a:schemeClr val="tx1"/>
-                </a:solidFill>
-                <a:effectLst/>
-              </a:rPr>
+            <a:pPr marL="400041" lvl="1" indent="0" defTabSz="914377" eaLnBrk="0" fontAlgn="base" hangingPunct="0">
+              <a:spcBef>
+                <a:spcPct val="0"/>
+              </a:spcBef>
+              <a:spcAft>
+                <a:spcPct val="0"/>
+              </a:spcAft>
+              <a:buNone/>
+            </a:pPr>
+            <a:endParaRPr lang="en-US" altLang="en-US" sz="1600" dirty="0"/>
+          </a:p>
+          <a:p>
+            <a:pPr defTabSz="914377" eaLnBrk="0" fontAlgn="base" hangingPunct="0">
+              <a:spcBef>
+                <a:spcPct val="0"/>
+              </a:spcBef>
+              <a:spcAft>
+                <a:spcPct val="0"/>
+              </a:spcAft>
+            </a:pPr>
+            <a:r>
+              <a:rPr lang="en-US" altLang="en-US" sz="1800" b="1" dirty="0"/>
               <a:t>Inspirational Quote</a:t>
             </a:r>
             <a:r>
-              <a:rPr kumimoji="0" lang="en-US" altLang="en-US" sz="1800" b="0" i="0" u="none" strike="noStrike" cap="none" normalizeH="0" baseline="0" dirty="0">
-                <a:ln>
-                  <a:noFill/>
-                </a:ln>
-                <a:solidFill>
-                  <a:schemeClr val="tx1"/>
-                </a:solidFill>
-                <a:effectLst/>
-              </a:rPr>
+              <a:rPr lang="en-US" altLang="en-US" sz="1800" dirty="0"/>
               <a:t>:</a:t>
             </a:r>
           </a:p>
           <a:p>
-            <a:pPr marL="400050" lvl="1" indent="0" defTabSz="914400" eaLnBrk="0" fontAlgn="base" hangingPunct="0">
-              <a:spcBef>
-                <a:spcPct val="0"/>
-              </a:spcBef>
-              <a:spcAft>
-                <a:spcPct val="0"/>
-              </a:spcAft>
-              <a:buNone/>
-            </a:pPr>
-            <a:r>
-              <a:rPr kumimoji="0" lang="en-US" altLang="en-US" sz="1600" b="0" i="0" u="none" strike="noStrike" cap="none" normalizeH="0" baseline="0" dirty="0">
-                <a:ln>
-                  <a:noFill/>
-                </a:ln>
-                <a:solidFill>
-                  <a:schemeClr val="tx1"/>
-                </a:solidFill>
-                <a:effectLst/>
-              </a:rPr>
+            <a:pPr marL="400041" lvl="1" indent="0" defTabSz="914377" eaLnBrk="0" fontAlgn="base" hangingPunct="0">
+              <a:spcBef>
+                <a:spcPct val="0"/>
+              </a:spcBef>
+              <a:spcAft>
+                <a:spcPct val="0"/>
+              </a:spcAft>
+              <a:buNone/>
+            </a:pPr>
+            <a:r>
+              <a:rPr lang="en-US" altLang="en-US" sz="1600" dirty="0"/>
               <a:t>“Technology is a tool. It is up to us to use it responsibly and ethically.”</a:t>
             </a:r>
           </a:p>
           <a:p>
-            <a:pPr marL="0" marR="0" lvl="0" indent="0" algn="l" defTabSz="914400" rtl="0" eaLnBrk="0" fontAlgn="base" latinLnBrk="0" hangingPunct="0">
-              <a:lnSpc>
-                <a:spcPct val="100000"/>
-              </a:lnSpc>
-              <a:spcBef>
-                <a:spcPct val="0"/>
-              </a:spcBef>
-              <a:spcAft>
-                <a:spcPct val="0"/>
-              </a:spcAft>
-              <a:buClrTx/>
-              <a:buSzTx/>
-              <a:buFontTx/>
-              <a:buNone/>
-              <a:tabLst/>
-            </a:pPr>
-            <a:endParaRPr kumimoji="0" lang="en-US" altLang="en-US" sz="1800" b="0" i="0" u="none" strike="noStrike" cap="none" normalizeH="0" baseline="0" dirty="0">
-              <a:ln>
-                <a:noFill/>
-              </a:ln>
-              <a:solidFill>
-                <a:schemeClr val="tx1"/>
-              </a:solidFill>
-              <a:effectLst/>
+            <a:pPr marL="0" indent="0" defTabSz="914377" eaLnBrk="0" fontAlgn="base" hangingPunct="0">
+              <a:spcBef>
+                <a:spcPct val="0"/>
+              </a:spcBef>
+              <a:spcAft>
+                <a:spcPct val="0"/>
+              </a:spcAft>
+              <a:buNone/>
+            </a:pPr>
+            <a:endParaRPr lang="en-US" altLang="en-US" sz="1800" dirty="0">
               <a:latin typeface="Arial" panose="020B0604020202020204" pitchFamily="34" charset="0"/>
             </a:endParaRPr>
           </a:p>
@@ -4371,13 +4268,19 @@
             <p:ph type="title"/>
           </p:nvPr>
         </p:nvSpPr>
-        <p:spPr/>
+        <p:spPr>
+          <a:xfrm>
+            <a:off x="457200" y="66676"/>
+            <a:ext cx="8229600" cy="1143000"/>
+          </a:xfrm>
+        </p:spPr>
         <p:txBody>
           <a:bodyPr/>
           <a:lstStyle/>
           <a:p>
             <a:r>
-              <a:t>Open Floor for Questions</a:t>
+              <a:rPr dirty="0"/>
+              <a:t>References</a:t>
             </a:r>
           </a:p>
         </p:txBody>
@@ -4392,14 +4295,54 @@
             <p:ph idx="1"/>
           </p:nvPr>
         </p:nvSpPr>
-        <p:spPr/>
-        <p:txBody>
-          <a:bodyPr/>
+        <p:spPr>
+          <a:xfrm>
+            <a:off x="457200" y="1131892"/>
+            <a:ext cx="8229600" cy="5535613"/>
+          </a:xfrm>
+        </p:spPr>
+        <p:txBody>
+          <a:bodyPr>
+            <a:noAutofit/>
+          </a:bodyPr>
           <a:lstStyle/>
           <a:p>
             <a:r>
-              <a:rPr dirty="0"/>
-              <a:t>Thank you for your attention! Feel free to ask questions or share your thoughts.</a:t>
+              <a:rPr lang="en-IN" sz="2800" dirty="0"/>
+              <a:t>Weiyu Wang &amp; Keng Siau (2018). </a:t>
+            </a:r>
+            <a:r>
+              <a:rPr lang="en-US" sz="2800" dirty="0"/>
+              <a:t>Ethical and Moral Issues with AI -- A Case Study on Healthcare Robots. Conference Paper</a:t>
+            </a:r>
+          </a:p>
+          <a:p>
+            <a:r>
+              <a:rPr lang="en-US" sz="2800" dirty="0"/>
+              <a:t>Mario Fialho, Article, Stefanini Group (2023). The Moral and Ethical Implications of Artificial Intelligence.</a:t>
+            </a:r>
+            <a:endParaRPr lang="en-IN" sz="2800" dirty="0"/>
+          </a:p>
+          <a:p>
+            <a:r>
+              <a:rPr sz="2800" dirty="0"/>
+              <a:t>Binns, R. (2018). Fairness in Machine Learning: Lessons from Political Philosophy.</a:t>
+            </a:r>
+          </a:p>
+          <a:p>
+            <a:r>
+              <a:rPr sz="2800" dirty="0"/>
+              <a:t>Mittelstadt, B. D., et al. (2016). The Ethics of Algorithms: Mapping the Debate</a:t>
+            </a:r>
+            <a:r>
+              <a:rPr lang="en-IN" sz="2800" dirty="0"/>
+              <a:t>.</a:t>
+            </a:r>
+          </a:p>
+          <a:p>
+            <a:r>
+              <a:rPr lang="en-IN" sz="2800" dirty="0"/>
+              <a:t>Geoffrey Hinton, Scholarly Articles and Conferences(2023-2024).</a:t>
             </a:r>
           </a:p>
         </p:txBody>
@@ -4457,7 +4400,7 @@
           <a:lstStyle/>
           <a:p>
             <a:r>
-              <a:t>References</a:t>
+              <a:t>Open Floor for Questions</a:t>
             </a:r>
           </a:p>
         </p:txBody>
@@ -4474,65 +4417,12 @@
         </p:nvSpPr>
         <p:spPr/>
         <p:txBody>
-          <a:bodyPr>
-            <a:normAutofit fontScale="70000" lnSpcReduction="20000"/>
-          </a:bodyPr>
+          <a:bodyPr/>
           <a:lstStyle/>
           <a:p>
             <a:r>
-              <a:rPr lang="en-IN" dirty="0"/>
-              <a:t>Weiyu Wang &amp; Keng Siau. </a:t>
-            </a:r>
-            <a:r>
-              <a:rPr lang="en-US" dirty="0"/>
-              <a:t>Ethical and Moral Issues with AI -- A Case Study on Healthcare Robots.</a:t>
-            </a:r>
-            <a:endParaRPr lang="en-IN" dirty="0"/>
-          </a:p>
-          <a:p>
-            <a:r>
               <a:rPr dirty="0"/>
-              <a:t>Binns, R. (2018). Fairness in Machine Learning: Lessons from Political Philosophy.</a:t>
-            </a:r>
-          </a:p>
-          <a:p>
-            <a:r>
-              <a:rPr dirty="0"/>
-              <a:t>Mittelstadt, B. D., et al. (2016). The Ethics of Algorithms: Mapping the Debate.</a:t>
-            </a:r>
-          </a:p>
-          <a:p>
-            <a:r>
-              <a:rPr dirty="0"/>
-              <a:t>Eubanks, V. (2018). Automating Inequality: How High-Tech Tools Profile, Police, and Punish the Poor.</a:t>
-            </a:r>
-          </a:p>
-          <a:p>
-            <a:r>
-              <a:rPr dirty="0" err="1"/>
-              <a:t>Floridi</a:t>
-            </a:r>
-            <a:r>
-              <a:rPr dirty="0"/>
-              <a:t>, L., &amp; Cowls, J. (2019). A Unified Framework of Five Principles for AI in Society.</a:t>
-            </a:r>
-          </a:p>
-          <a:p>
-            <a:r>
-              <a:rPr dirty="0"/>
-              <a:t>Russell, S., &amp; Norvig, P. (2020). Artificial Intelligence: A Modern Approach.</a:t>
-            </a:r>
-          </a:p>
-          <a:p>
-            <a:r>
-              <a:rPr dirty="0"/>
-              <a:t>O’Neil, C. (2016). Weapons of Math Destruction.</a:t>
-            </a:r>
-          </a:p>
-          <a:p>
-            <a:r>
-              <a:rPr dirty="0"/>
-              <a:t>IEEE Global Initiative. (2019). Ethically Aligned Design.</a:t>
+              <a:t>Thank you for your attention! Feel free to ask questions or share your thoughts.</a:t>
             </a:r>
           </a:p>
         </p:txBody>
@@ -4610,7 +4500,7 @@
         </p:nvSpPr>
         <p:spPr>
           <a:xfrm>
-            <a:off x="457200" y="1417637"/>
+            <a:off x="457200" y="1417641"/>
             <a:ext cx="3800168" cy="5165725"/>
           </a:xfrm>
         </p:spPr>
@@ -4630,7 +4520,7 @@
             </a:r>
           </a:p>
           <a:p>
-            <a:pPr marL="400050" lvl="1" indent="0">
+            <a:pPr marL="400041" lvl="1" indent="0">
               <a:buNone/>
             </a:pPr>
             <a:r>
@@ -4639,7 +4529,7 @@
             </a:r>
           </a:p>
           <a:p>
-            <a:pPr marL="400050" lvl="1" indent="0">
+            <a:pPr marL="400041" lvl="1" indent="0">
               <a:buNone/>
             </a:pPr>
             <a:endParaRPr lang="en-US" sz="2000" dirty="0"/>
@@ -4655,7 +4545,7 @@
             </a:r>
           </a:p>
           <a:p>
-            <a:pPr marL="400050" lvl="1" indent="0">
+            <a:pPr marL="400041" lvl="1" indent="0">
               <a:buNone/>
             </a:pPr>
             <a:r>
@@ -4668,7 +4558,7 @@
             </a:r>
           </a:p>
           <a:p>
-            <a:pPr marL="400050" lvl="1" indent="0">
+            <a:pPr marL="400041" lvl="1" indent="0">
               <a:buNone/>
             </a:pPr>
             <a:r>
@@ -4681,7 +4571,7 @@
             </a:r>
           </a:p>
           <a:p>
-            <a:pPr marL="400050" lvl="1" indent="0">
+            <a:pPr marL="400041" lvl="1" indent="0">
               <a:buNone/>
             </a:pPr>
             <a:r>
@@ -4694,7 +4584,7 @@
             </a:r>
           </a:p>
           <a:p>
-            <a:pPr marL="400050" lvl="1" indent="0">
+            <a:pPr marL="400041" lvl="1" indent="0">
               <a:buNone/>
             </a:pPr>
             <a:r>
@@ -4711,7 +4601,7 @@
             </a:r>
           </a:p>
           <a:p>
-            <a:pPr marL="400050" lvl="1" indent="0">
+            <a:pPr marL="400041" lvl="1" indent="0">
               <a:buNone/>
             </a:pPr>
             <a:endParaRPr lang="en-US" sz="2200" dirty="0"/>
@@ -4727,7 +4617,7 @@
             </a:r>
           </a:p>
           <a:p>
-            <a:pPr lvl="1" indent="-342900">
+            <a:pPr lvl="1" indent="-342891">
               <a:buFont typeface="Wingdings" panose="05000000000000000000" pitchFamily="2" charset="2"/>
               <a:buChar char="§"/>
             </a:pPr>
@@ -4737,7 +4627,7 @@
             </a:r>
           </a:p>
           <a:p>
-            <a:pPr lvl="1" indent="-342900">
+            <a:pPr lvl="1" indent="-342891">
               <a:buFont typeface="Wingdings" panose="05000000000000000000" pitchFamily="2" charset="2"/>
               <a:buChar char="§"/>
             </a:pPr>
@@ -4777,8 +4667,8 @@
         </p:blipFill>
         <p:spPr bwMode="auto">
           <a:xfrm>
-            <a:off x="4438234" y="1600199"/>
-            <a:ext cx="4248566" cy="4525964"/>
+            <a:off x="4438235" y="1600199"/>
+            <a:ext cx="4248567" cy="4525964"/>
           </a:xfrm>
           <a:prstGeom prst="rect">
             <a:avLst/>
@@ -4871,8 +4761,8 @@
         </p:nvSpPr>
         <p:spPr>
           <a:xfrm>
-            <a:off x="162232" y="1229475"/>
-            <a:ext cx="5310342" cy="5455108"/>
+            <a:off x="162234" y="1229475"/>
+            <a:ext cx="5310343" cy="5455108"/>
           </a:xfrm>
         </p:spPr>
         <p:txBody>
@@ -4888,7 +4778,7 @@
             <a:endParaRPr lang="en-US" dirty="0"/>
           </a:p>
           <a:p>
-            <a:pPr marL="400050" lvl="1" indent="0">
+            <a:pPr marL="400041" lvl="1" indent="0">
               <a:buNone/>
             </a:pPr>
             <a:r>
@@ -4897,7 +4787,7 @@
             </a:r>
           </a:p>
           <a:p>
-            <a:pPr marL="400050" lvl="1" indent="0">
+            <a:pPr marL="400041" lvl="1" indent="0">
               <a:buNone/>
             </a:pPr>
             <a:r>
@@ -4910,7 +4800,7 @@
             </a:r>
           </a:p>
           <a:p>
-            <a:pPr marL="400050" lvl="1" indent="0">
+            <a:pPr marL="400041" lvl="1" indent="0">
               <a:buNone/>
             </a:pPr>
             <a:endParaRPr lang="en-US" dirty="0"/>
@@ -4926,7 +4816,7 @@
             </a:r>
           </a:p>
           <a:p>
-            <a:pPr marL="857250" lvl="1" indent="-457200">
+            <a:pPr marL="857229" lvl="1" indent="-457189">
               <a:buFont typeface="Wingdings" panose="05000000000000000000" pitchFamily="2" charset="2"/>
               <a:buChar char="§"/>
             </a:pPr>
@@ -4940,7 +4830,7 @@
             </a:r>
           </a:p>
           <a:p>
-            <a:pPr marL="857250" lvl="1" indent="-457200">
+            <a:pPr marL="857229" lvl="1" indent="-457189">
               <a:buFont typeface="Wingdings" panose="05000000000000000000" pitchFamily="2" charset="2"/>
               <a:buChar char="§"/>
             </a:pPr>
@@ -4954,7 +4844,7 @@
             </a:r>
           </a:p>
           <a:p>
-            <a:pPr marL="400050" lvl="1" indent="0">
+            <a:pPr marL="400041" lvl="1" indent="0">
               <a:buNone/>
             </a:pPr>
             <a:endParaRPr lang="en-US" dirty="0"/>
@@ -4970,7 +4860,7 @@
             </a:r>
           </a:p>
           <a:p>
-            <a:pPr marL="857250" lvl="1" indent="-457200">
+            <a:pPr marL="857229" lvl="1" indent="-457189">
               <a:buFont typeface="Wingdings" panose="05000000000000000000" pitchFamily="2" charset="2"/>
               <a:buChar char="§"/>
             </a:pPr>
@@ -4980,7 +4870,7 @@
             </a:r>
           </a:p>
           <a:p>
-            <a:pPr marL="857250" lvl="1" indent="-457200">
+            <a:pPr marL="857229" lvl="1" indent="-457189">
               <a:buFont typeface="Wingdings" panose="05000000000000000000" pitchFamily="2" charset="2"/>
               <a:buChar char="§"/>
             </a:pPr>
@@ -4990,7 +4880,7 @@
             </a:r>
           </a:p>
           <a:p>
-            <a:pPr marL="857250" lvl="1" indent="-457200">
+            <a:pPr marL="857229" lvl="1" indent="-457189">
               <a:buFont typeface="Wingdings" panose="05000000000000000000" pitchFamily="2" charset="2"/>
               <a:buChar char="§"/>
             </a:pPr>
@@ -5000,7 +4890,7 @@
             </a:r>
           </a:p>
           <a:p>
-            <a:pPr marL="400050" lvl="1" indent="0">
+            <a:pPr marL="400041" lvl="1" indent="0">
               <a:buNone/>
             </a:pPr>
             <a:endParaRPr lang="en-US" dirty="0"/>
@@ -5016,7 +4906,7 @@
             </a:r>
           </a:p>
           <a:p>
-            <a:pPr marL="857250" lvl="1" indent="-457200">
+            <a:pPr marL="857229" lvl="1" indent="-457189">
               <a:buFont typeface="Wingdings" panose="05000000000000000000" pitchFamily="2" charset="2"/>
               <a:buChar char="§"/>
             </a:pPr>
@@ -5026,7 +4916,7 @@
             </a:r>
           </a:p>
           <a:p>
-            <a:pPr marL="857250" lvl="1" indent="-457200">
+            <a:pPr marL="857229" lvl="1" indent="-457189">
               <a:buFont typeface="Wingdings" panose="05000000000000000000" pitchFamily="2" charset="2"/>
               <a:buChar char="§"/>
             </a:pPr>
@@ -5036,7 +4926,7 @@
             </a:r>
           </a:p>
           <a:p>
-            <a:pPr marL="857250" lvl="1" indent="-457200">
+            <a:pPr marL="857229" lvl="1" indent="-457189">
               <a:buFont typeface="Wingdings" panose="05000000000000000000" pitchFamily="2" charset="2"/>
               <a:buChar char="§"/>
             </a:pPr>
@@ -5046,19 +4936,19 @@
             </a:r>
           </a:p>
           <a:p>
-            <a:pPr marL="400050" lvl="1" indent="0">
+            <a:pPr marL="400041" lvl="1" indent="0">
               <a:buNone/>
             </a:pPr>
             <a:endParaRPr lang="en-US" dirty="0"/>
           </a:p>
           <a:p>
-            <a:pPr marL="400050" lvl="1" indent="0">
+            <a:pPr marL="400041" lvl="1" indent="0">
               <a:buNone/>
             </a:pPr>
             <a:endParaRPr lang="en-US" dirty="0"/>
           </a:p>
           <a:p>
-            <a:pPr marL="400050" lvl="1" indent="0">
+            <a:pPr marL="400041" lvl="1" indent="0">
               <a:buNone/>
             </a:pPr>
             <a:endParaRPr lang="en-US" dirty="0"/>
@@ -5094,8 +4984,8 @@
         </p:blipFill>
         <p:spPr bwMode="auto">
           <a:xfrm rot="5400000">
-            <a:off x="4537171" y="2136736"/>
-            <a:ext cx="5273673" cy="3402866"/>
+            <a:off x="4537177" y="2136737"/>
+            <a:ext cx="5273673" cy="3402867"/>
           </a:xfrm>
           <a:prstGeom prst="rect">
             <a:avLst/>
@@ -5189,7 +5079,7 @@
         </p:nvSpPr>
         <p:spPr bwMode="auto">
           <a:xfrm>
-            <a:off x="457201" y="1693357"/>
+            <a:off x="457201" y="1693358"/>
             <a:ext cx="8229600" cy="4339650"/>
           </a:xfrm>
           <a:prstGeom prst="rect">
@@ -5230,7 +5120,7 @@
           </a:extLst>
         </p:spPr>
         <p:txBody>
-          <a:bodyPr vert="horz" wrap="square" lIns="91440" tIns="45720" rIns="91440" bIns="45720" numCol="1" anchor="ctr" anchorCtr="0" compatLnSpc="1">
+          <a:bodyPr vert="horz" wrap="square" lIns="91440" tIns="45720" rIns="91440" bIns="45720" numCol="1" rtlCol="0" anchor="ctr" anchorCtr="0" compatLnSpc="1">
             <a:prstTxWarp prst="textNoShape">
               <a:avLst/>
             </a:prstTxWarp>
@@ -5238,117 +5128,69 @@
           </a:bodyPr>
           <a:lstStyle/>
           <a:p>
-            <a:pPr defTabSz="914400" eaLnBrk="0" fontAlgn="base" hangingPunct="0">
-              <a:spcBef>
-                <a:spcPct val="0"/>
-              </a:spcBef>
-              <a:spcAft>
-                <a:spcPct val="0"/>
-              </a:spcAft>
-            </a:pPr>
-            <a:r>
-              <a:rPr kumimoji="0" lang="en-US" altLang="en-US" sz="1800" b="1" i="0" u="none" strike="noStrike" cap="none" normalizeH="0" baseline="0" dirty="0">
-                <a:ln>
-                  <a:noFill/>
-                </a:ln>
-                <a:solidFill>
-                  <a:schemeClr val="tx1"/>
-                </a:solidFill>
-                <a:effectLst/>
-              </a:rPr>
+            <a:pPr defTabSz="914377" eaLnBrk="0" fontAlgn="base" hangingPunct="0">
+              <a:spcBef>
+                <a:spcPct val="0"/>
+              </a:spcBef>
+              <a:spcAft>
+                <a:spcPct val="0"/>
+              </a:spcAft>
+            </a:pPr>
+            <a:r>
+              <a:rPr lang="en-US" altLang="en-US" sz="1800" b="1" dirty="0"/>
               <a:t>Data-Driven AI</a:t>
             </a:r>
             <a:r>
-              <a:rPr kumimoji="0" lang="en-US" altLang="en-US" sz="1800" b="0" i="0" u="none" strike="noStrike" cap="none" normalizeH="0" baseline="0" dirty="0">
-                <a:ln>
-                  <a:noFill/>
-                </a:ln>
-                <a:solidFill>
-                  <a:schemeClr val="tx1"/>
-                </a:solidFill>
-                <a:effectLst/>
-              </a:rPr>
+              <a:rPr lang="en-US" altLang="en-US" sz="1800" dirty="0"/>
               <a:t>:</a:t>
             </a:r>
           </a:p>
           <a:p>
-            <a:pPr marL="400050" lvl="1" indent="0" defTabSz="914400" eaLnBrk="0" fontAlgn="base" hangingPunct="0">
-              <a:spcBef>
-                <a:spcPct val="0"/>
-              </a:spcBef>
-              <a:spcAft>
-                <a:spcPct val="0"/>
-              </a:spcAft>
-              <a:buNone/>
-            </a:pPr>
-            <a:r>
-              <a:rPr kumimoji="0" lang="en-US" altLang="en-US" sz="1600" b="0" i="0" u="none" strike="noStrike" cap="none" normalizeH="0" baseline="0" dirty="0">
-                <a:ln>
-                  <a:noFill/>
-                </a:ln>
-                <a:solidFill>
-                  <a:schemeClr val="tx1"/>
-                </a:solidFill>
-                <a:effectLst/>
-              </a:rPr>
+            <a:pPr marL="400041" lvl="1" indent="0" defTabSz="914377" eaLnBrk="0" fontAlgn="base" hangingPunct="0">
+              <a:spcBef>
+                <a:spcPct val="0"/>
+              </a:spcBef>
+              <a:spcAft>
+                <a:spcPct val="0"/>
+              </a:spcAft>
+              <a:buNone/>
+            </a:pPr>
+            <a:r>
+              <a:rPr lang="en-US" altLang="en-US" sz="1600" dirty="0"/>
               <a:t>AI relies on vast amounts of data for training and functioning, raising concerns about personal privacy.</a:t>
             </a:r>
           </a:p>
           <a:p>
-            <a:pPr marL="685800" lvl="1" defTabSz="914400" eaLnBrk="0" fontAlgn="base" hangingPunct="0">
-              <a:spcBef>
-                <a:spcPct val="0"/>
-              </a:spcBef>
-              <a:spcAft>
-                <a:spcPct val="0"/>
-              </a:spcAft>
-            </a:pPr>
-            <a:endParaRPr kumimoji="0" lang="en-US" altLang="en-US" sz="1400" b="0" i="0" u="none" strike="noStrike" cap="none" normalizeH="0" baseline="0" dirty="0">
-              <a:ln>
-                <a:noFill/>
-              </a:ln>
-              <a:solidFill>
-                <a:schemeClr val="tx1"/>
-              </a:solidFill>
-              <a:effectLst/>
-            </a:endParaRPr>
-          </a:p>
-          <a:p>
-            <a:pPr defTabSz="914400" eaLnBrk="0" fontAlgn="base" hangingPunct="0">
-              <a:spcBef>
-                <a:spcPct val="0"/>
-              </a:spcBef>
-              <a:spcAft>
-                <a:spcPct val="0"/>
-              </a:spcAft>
-            </a:pPr>
-            <a:r>
-              <a:rPr kumimoji="0" lang="en-US" altLang="en-US" sz="1800" b="1" i="0" u="none" strike="noStrike" cap="none" normalizeH="0" baseline="0" dirty="0">
-                <a:ln>
-                  <a:noFill/>
-                </a:ln>
-                <a:solidFill>
-                  <a:schemeClr val="tx1"/>
-                </a:solidFill>
-                <a:effectLst/>
-              </a:rPr>
+            <a:pPr marL="685783" lvl="1" defTabSz="914377" eaLnBrk="0" fontAlgn="base" hangingPunct="0">
+              <a:spcBef>
+                <a:spcPct val="0"/>
+              </a:spcBef>
+              <a:spcAft>
+                <a:spcPct val="0"/>
+              </a:spcAft>
+            </a:pPr>
+            <a:endParaRPr lang="en-US" altLang="en-US" sz="1400" dirty="0"/>
+          </a:p>
+          <a:p>
+            <a:pPr defTabSz="914377" eaLnBrk="0" fontAlgn="base" hangingPunct="0">
+              <a:spcBef>
+                <a:spcPct val="0"/>
+              </a:spcBef>
+              <a:spcAft>
+                <a:spcPct val="0"/>
+              </a:spcAft>
+            </a:pPr>
+            <a:r>
+              <a:rPr lang="en-US" altLang="en-US" sz="1800" b="1" dirty="0"/>
               <a:t>Ethical Dilemmas</a:t>
             </a:r>
             <a:r>
-              <a:rPr kumimoji="0" lang="en-US" altLang="en-US" sz="1800" b="0" i="0" u="none" strike="noStrike" cap="none" normalizeH="0" baseline="0" dirty="0">
-                <a:ln>
-                  <a:noFill/>
-                </a:ln>
-                <a:solidFill>
-                  <a:schemeClr val="tx1"/>
-                </a:solidFill>
-                <a:effectLst/>
-              </a:rPr>
+              <a:rPr lang="en-US" altLang="en-US" sz="1800" dirty="0"/>
               <a:t>:</a:t>
             </a:r>
           </a:p>
           <a:p>
-            <a:pPr marL="685800" lvl="1" defTabSz="914400" eaLnBrk="0" fontAlgn="base" hangingPunct="0">
+            <a:pPr marL="685783" lvl="1" defTabSz="914377" eaLnBrk="0" fontAlgn="base" hangingPunct="0">
               <a:spcBef>
                 <a:spcPct val="0"/>
               </a:spcBef>
@@ -5359,32 +5201,16 @@
               <a:buChar char="§"/>
             </a:pPr>
             <a:r>
-              <a:rPr kumimoji="0" lang="en-US" altLang="en-US" sz="1600" b="1" i="0" u="none" strike="noStrike" cap="none" normalizeH="0" baseline="0" dirty="0">
-                <a:ln>
-                  <a:noFill/>
-                </a:ln>
-                <a:solidFill>
-                  <a:schemeClr val="tx1"/>
-                </a:solidFill>
-                <a:effectLst/>
-              </a:rPr>
+              <a:rPr lang="en-US" altLang="en-US" sz="1600" b="1" dirty="0"/>
               <a:t>Surveillance</a:t>
             </a:r>
             <a:r>
-              <a:rPr kumimoji="0" lang="en-US" altLang="en-US" sz="1600" b="0" i="0" u="none" strike="noStrike" cap="none" normalizeH="0" baseline="0" dirty="0">
-                <a:ln>
-                  <a:noFill/>
-                </a:ln>
-                <a:solidFill>
-                  <a:schemeClr val="tx1"/>
-                </a:solidFill>
-                <a:effectLst/>
-              </a:rPr>
+              <a:rPr lang="en-US" altLang="en-US" sz="1600" dirty="0"/>
               <a:t>: Governments and corporations using AI to track individuals.</a:t>
             </a:r>
           </a:p>
           <a:p>
-            <a:pPr marL="685800" lvl="1" defTabSz="914400" eaLnBrk="0" fontAlgn="base" hangingPunct="0">
+            <a:pPr marL="685783" lvl="1" defTabSz="914377" eaLnBrk="0" fontAlgn="base" hangingPunct="0">
               <a:spcBef>
                 <a:spcPct val="0"/>
               </a:spcBef>
@@ -5395,162 +5221,90 @@
               <a:buChar char="§"/>
             </a:pPr>
             <a:r>
-              <a:rPr kumimoji="0" lang="en-US" altLang="en-US" sz="1600" b="1" i="0" u="none" strike="noStrike" cap="none" normalizeH="0" baseline="0" dirty="0">
-                <a:ln>
-                  <a:noFill/>
-                </a:ln>
-                <a:solidFill>
-                  <a:schemeClr val="tx1"/>
-                </a:solidFill>
-                <a:effectLst/>
-              </a:rPr>
+              <a:rPr lang="en-US" altLang="en-US" sz="1600" b="1" dirty="0"/>
               <a:t>Data Exploitation</a:t>
             </a:r>
             <a:r>
-              <a:rPr kumimoji="0" lang="en-US" altLang="en-US" sz="1600" b="0" i="0" u="none" strike="noStrike" cap="none" normalizeH="0" baseline="0" dirty="0">
-                <a:ln>
-                  <a:noFill/>
-                </a:ln>
-                <a:solidFill>
-                  <a:schemeClr val="tx1"/>
-                </a:solidFill>
-                <a:effectLst/>
-              </a:rPr>
+              <a:rPr lang="en-US" altLang="en-US" sz="1600" dirty="0"/>
               <a:t>: Social media and other platforms collecting and monetizing personal data without informed consent.</a:t>
             </a:r>
           </a:p>
           <a:p>
-            <a:pPr marL="685800" lvl="1" defTabSz="914400" eaLnBrk="0" fontAlgn="base" hangingPunct="0">
-              <a:spcBef>
-                <a:spcPct val="0"/>
-              </a:spcBef>
-              <a:spcAft>
-                <a:spcPct val="0"/>
-              </a:spcAft>
-            </a:pPr>
-            <a:endParaRPr kumimoji="0" lang="en-US" altLang="en-US" sz="1400" b="0" i="0" u="none" strike="noStrike" cap="none" normalizeH="0" baseline="0" dirty="0">
-              <a:ln>
-                <a:noFill/>
-              </a:ln>
-              <a:solidFill>
-                <a:schemeClr val="tx1"/>
-              </a:solidFill>
-              <a:effectLst/>
-            </a:endParaRPr>
-          </a:p>
-          <a:p>
-            <a:pPr defTabSz="914400" eaLnBrk="0" fontAlgn="base" hangingPunct="0">
-              <a:spcBef>
-                <a:spcPct val="0"/>
-              </a:spcBef>
-              <a:spcAft>
-                <a:spcPct val="0"/>
-              </a:spcAft>
-            </a:pPr>
-            <a:r>
-              <a:rPr kumimoji="0" lang="en-US" altLang="en-US" sz="1800" b="1" i="0" u="none" strike="noStrike" cap="none" normalizeH="0" baseline="0" dirty="0">
-                <a:ln>
-                  <a:noFill/>
-                </a:ln>
-                <a:solidFill>
-                  <a:schemeClr val="tx1"/>
-                </a:solidFill>
-                <a:effectLst/>
-              </a:rPr>
+            <a:pPr marL="685783" lvl="1" defTabSz="914377" eaLnBrk="0" fontAlgn="base" hangingPunct="0">
+              <a:spcBef>
+                <a:spcPct val="0"/>
+              </a:spcBef>
+              <a:spcAft>
+                <a:spcPct val="0"/>
+              </a:spcAft>
+            </a:pPr>
+            <a:endParaRPr lang="en-US" altLang="en-US" sz="1400" dirty="0"/>
+          </a:p>
+          <a:p>
+            <a:pPr defTabSz="914377" eaLnBrk="0" fontAlgn="base" hangingPunct="0">
+              <a:spcBef>
+                <a:spcPct val="0"/>
+              </a:spcBef>
+              <a:spcAft>
+                <a:spcPct val="0"/>
+              </a:spcAft>
+            </a:pPr>
+            <a:r>
+              <a:rPr lang="en-US" altLang="en-US" sz="1800" b="1" dirty="0"/>
               <a:t>Real-World Example</a:t>
             </a:r>
             <a:r>
-              <a:rPr kumimoji="0" lang="en-US" altLang="en-US" sz="1800" b="0" i="0" u="none" strike="noStrike" cap="none" normalizeH="0" baseline="0" dirty="0">
-                <a:ln>
-                  <a:noFill/>
-                </a:ln>
-                <a:solidFill>
-                  <a:schemeClr val="tx1"/>
-                </a:solidFill>
-                <a:effectLst/>
-              </a:rPr>
+              <a:rPr lang="en-US" altLang="en-US" sz="1800" dirty="0"/>
               <a:t>:</a:t>
             </a:r>
           </a:p>
           <a:p>
-            <a:pPr marL="400050" lvl="1" indent="0" defTabSz="914400" eaLnBrk="0" fontAlgn="base" hangingPunct="0">
-              <a:spcBef>
-                <a:spcPct val="0"/>
-              </a:spcBef>
-              <a:spcAft>
-                <a:spcPct val="0"/>
-              </a:spcAft>
-              <a:buNone/>
-            </a:pPr>
-            <a:r>
-              <a:rPr kumimoji="0" lang="en-US" altLang="en-US" sz="1600" b="0" i="0" u="none" strike="noStrike" cap="none" normalizeH="0" baseline="0" dirty="0">
-                <a:ln>
-                  <a:noFill/>
-                </a:ln>
-                <a:solidFill>
-                  <a:schemeClr val="tx1"/>
-                </a:solidFill>
-                <a:effectLst/>
-              </a:rPr>
+            <a:pPr marL="400041" lvl="1" indent="0" defTabSz="914377" eaLnBrk="0" fontAlgn="base" hangingPunct="0">
+              <a:spcBef>
+                <a:spcPct val="0"/>
+              </a:spcBef>
+              <a:spcAft>
+                <a:spcPct val="0"/>
+              </a:spcAft>
+              <a:buNone/>
+            </a:pPr>
+            <a:r>
+              <a:rPr lang="en-US" altLang="en-US" sz="1600" dirty="0"/>
               <a:t>Cambridge Analytica scandal: Data misuse for political campaigns.</a:t>
             </a:r>
           </a:p>
           <a:p>
-            <a:pPr marL="400050" lvl="1" indent="0" defTabSz="914400" eaLnBrk="0" fontAlgn="base" hangingPunct="0">
-              <a:spcBef>
-                <a:spcPct val="0"/>
-              </a:spcBef>
-              <a:spcAft>
-                <a:spcPct val="0"/>
-              </a:spcAft>
-              <a:buNone/>
-            </a:pPr>
-            <a:endParaRPr kumimoji="0" lang="en-US" altLang="en-US" sz="1400" b="0" i="0" u="none" strike="noStrike" cap="none" normalizeH="0" baseline="0" dirty="0">
-              <a:ln>
-                <a:noFill/>
-              </a:ln>
-              <a:solidFill>
-                <a:schemeClr val="tx1"/>
-              </a:solidFill>
-              <a:effectLst/>
-            </a:endParaRPr>
-          </a:p>
-          <a:p>
-            <a:pPr defTabSz="914400" eaLnBrk="0" fontAlgn="base" hangingPunct="0">
-              <a:spcBef>
-                <a:spcPct val="0"/>
-              </a:spcBef>
-              <a:spcAft>
-                <a:spcPct val="0"/>
-              </a:spcAft>
-            </a:pPr>
-            <a:r>
-              <a:rPr kumimoji="0" lang="en-US" altLang="en-US" sz="1800" b="1" i="0" u="none" strike="noStrike" cap="none" normalizeH="0" baseline="0" dirty="0">
-                <a:ln>
-                  <a:noFill/>
-                </a:ln>
-                <a:solidFill>
-                  <a:schemeClr val="tx1"/>
-                </a:solidFill>
-                <a:effectLst/>
-              </a:rPr>
+            <a:pPr marL="400041" lvl="1" indent="0" defTabSz="914377" eaLnBrk="0" fontAlgn="base" hangingPunct="0">
+              <a:spcBef>
+                <a:spcPct val="0"/>
+              </a:spcBef>
+              <a:spcAft>
+                <a:spcPct val="0"/>
+              </a:spcAft>
+              <a:buNone/>
+            </a:pPr>
+            <a:endParaRPr lang="en-US" altLang="en-US" sz="1400" dirty="0"/>
+          </a:p>
+          <a:p>
+            <a:pPr defTabSz="914377" eaLnBrk="0" fontAlgn="base" hangingPunct="0">
+              <a:spcBef>
+                <a:spcPct val="0"/>
+              </a:spcBef>
+              <a:spcAft>
+                <a:spcPct val="0"/>
+              </a:spcAft>
+            </a:pPr>
+            <a:r>
+              <a:rPr lang="en-US" altLang="en-US" sz="1800" b="1" dirty="0"/>
               <a:t>Proposed Solutions</a:t>
             </a:r>
             <a:r>
-              <a:rPr kumimoji="0" lang="en-US" altLang="en-US" sz="1800" b="0" i="0" u="none" strike="noStrike" cap="none" normalizeH="0" baseline="0" dirty="0">
-                <a:ln>
-                  <a:noFill/>
-                </a:ln>
-                <a:solidFill>
-                  <a:schemeClr val="tx1"/>
-                </a:solidFill>
-                <a:effectLst/>
-              </a:rPr>
+              <a:rPr lang="en-US" altLang="en-US" sz="1800" dirty="0"/>
               <a:t>:</a:t>
             </a:r>
           </a:p>
           <a:p>
-            <a:pPr marL="685800" lvl="1" defTabSz="914400" eaLnBrk="0" fontAlgn="base" hangingPunct="0">
+            <a:pPr marL="685783" lvl="1" defTabSz="914377" eaLnBrk="0" fontAlgn="base" hangingPunct="0">
               <a:spcBef>
                 <a:spcPct val="0"/>
               </a:spcBef>
@@ -5561,38 +5315,20 @@
               <a:buChar char="§"/>
             </a:pPr>
             <a:r>
-              <a:rPr kumimoji="0" lang="en-US" altLang="en-US" sz="1600" b="0" i="0" u="none" strike="noStrike" cap="none" normalizeH="0" baseline="0" dirty="0">
-                <a:ln>
-                  <a:noFill/>
-                </a:ln>
-                <a:solidFill>
-                  <a:schemeClr val="tx1"/>
-                </a:solidFill>
-                <a:effectLst/>
-              </a:rPr>
+              <a:rPr lang="en-US" altLang="en-US" sz="1600" dirty="0"/>
               <a:t>Strong data protection laws like GDPR(</a:t>
             </a:r>
             <a:r>
-              <a:rPr lang="en-IN" sz="1600" b="0" i="0" dirty="0">
-                <a:effectLst/>
-              </a:rPr>
+              <a:rPr lang="en-IN" sz="1600" dirty="0"/>
               <a:t>General Data Protection Regulation)</a:t>
             </a:r>
             <a:r>
-              <a:rPr kumimoji="0" lang="en-US" altLang="en-US" sz="1600" b="0" i="0" u="none" strike="noStrike" cap="none" normalizeH="0" baseline="0" dirty="0">
-                <a:ln>
-                  <a:noFill/>
-                </a:ln>
-                <a:solidFill>
-                  <a:schemeClr val="tx1"/>
-                </a:solidFill>
-                <a:effectLst/>
-              </a:rPr>
+              <a:rPr lang="en-US" altLang="en-US" sz="1600" dirty="0"/>
               <a:t>.</a:t>
             </a:r>
           </a:p>
           <a:p>
-            <a:pPr marL="685800" lvl="1" defTabSz="914400" eaLnBrk="0" fontAlgn="base" hangingPunct="0">
+            <a:pPr marL="685783" lvl="1" defTabSz="914377" eaLnBrk="0" fontAlgn="base" hangingPunct="0">
               <a:spcBef>
                 <a:spcPct val="0"/>
               </a:spcBef>
@@ -5603,20 +5339,12 @@
               <a:buChar char="§"/>
             </a:pPr>
             <a:r>
-              <a:rPr kumimoji="0" lang="en-US" altLang="en-US" sz="1600" b="0" i="0" u="none" strike="noStrike" cap="none" normalizeH="0" baseline="0" dirty="0">
-                <a:ln>
-                  <a:noFill/>
-                </a:ln>
-                <a:solidFill>
-                  <a:schemeClr val="tx1"/>
-                </a:solidFill>
-                <a:effectLst/>
-              </a:rPr>
+              <a:rPr lang="en-US" altLang="en-US" sz="1600" dirty="0"/>
               <a:t>Implementing AI systems with privacy-first designs.</a:t>
             </a:r>
           </a:p>
           <a:p>
-            <a:pPr marL="685800" lvl="1" defTabSz="914400" eaLnBrk="0" fontAlgn="base" hangingPunct="0">
+            <a:pPr marL="685783" lvl="1" defTabSz="914377" eaLnBrk="0" fontAlgn="base" hangingPunct="0">
               <a:spcBef>
                 <a:spcPct val="0"/>
               </a:spcBef>
@@ -5627,43 +5355,21 @@
               <a:buChar char="§"/>
             </a:pPr>
             <a:r>
-              <a:rPr kumimoji="0" lang="en-US" altLang="en-US" sz="1600" b="0" i="0" u="none" strike="noStrike" cap="none" normalizeH="0" baseline="0" dirty="0">
-                <a:ln>
-                  <a:noFill/>
-                </a:ln>
-                <a:solidFill>
-                  <a:schemeClr val="tx1"/>
-                </a:solidFill>
-                <a:effectLst/>
-              </a:rPr>
+              <a:rPr lang="en-US" altLang="en-US" sz="1600" dirty="0"/>
               <a:t>Educating users about their data rights.</a:t>
             </a:r>
           </a:p>
           <a:p>
-            <a:pPr marL="0" marR="0" lvl="0" indent="0" algn="l" defTabSz="914400" rtl="0" eaLnBrk="0" fontAlgn="base" latinLnBrk="0" hangingPunct="0">
-              <a:lnSpc>
-                <a:spcPct val="100000"/>
-              </a:lnSpc>
-              <a:spcBef>
-                <a:spcPct val="0"/>
-              </a:spcBef>
-              <a:spcAft>
-                <a:spcPct val="0"/>
-              </a:spcAft>
-              <a:buClrTx/>
-              <a:buSzTx/>
-              <a:buFontTx/>
-              <a:buNone/>
-              <a:tabLst/>
-            </a:pPr>
-            <a:endParaRPr kumimoji="0" lang="en-US" altLang="en-US" sz="1800" b="0" i="0" u="none" strike="noStrike" cap="none" normalizeH="0" baseline="0" dirty="0">
-              <a:ln>
-                <a:noFill/>
-              </a:ln>
-              <a:solidFill>
-                <a:schemeClr val="tx1"/>
-              </a:solidFill>
-              <a:effectLst/>
+            <a:pPr marL="0" indent="0" defTabSz="914377" eaLnBrk="0" fontAlgn="base" hangingPunct="0">
+              <a:spcBef>
+                <a:spcPct val="0"/>
+              </a:spcBef>
+              <a:spcAft>
+                <a:spcPct val="0"/>
+              </a:spcAft>
+              <a:buNone/>
+            </a:pPr>
+            <a:endParaRPr lang="en-US" altLang="en-US" sz="1800" dirty="0">
               <a:latin typeface="Arial" panose="020B0604020202020204" pitchFamily="34" charset="0"/>
             </a:endParaRPr>
           </a:p>
@@ -5747,7 +5453,7 @@
         </p:nvSpPr>
         <p:spPr bwMode="auto">
           <a:xfrm>
-            <a:off x="457200" y="2124246"/>
+            <a:off x="457200" y="2124250"/>
             <a:ext cx="8229600" cy="3477875"/>
           </a:xfrm>
           <a:prstGeom prst="rect">
@@ -5788,7 +5494,7 @@
           </a:extLst>
         </p:spPr>
         <p:txBody>
-          <a:bodyPr vert="horz" wrap="square" lIns="91440" tIns="45720" rIns="91440" bIns="45720" numCol="1" anchor="ctr" anchorCtr="0" compatLnSpc="1">
+          <a:bodyPr vert="horz" wrap="square" lIns="91440" tIns="45720" rIns="91440" bIns="45720" numCol="1" rtlCol="0" anchor="ctr" anchorCtr="0" compatLnSpc="1">
             <a:prstTxWarp prst="textNoShape">
               <a:avLst/>
             </a:prstTxWarp>
@@ -5796,124 +5502,70 @@
           </a:bodyPr>
           <a:lstStyle/>
           <a:p>
-            <a:pPr defTabSz="914400" eaLnBrk="0" fontAlgn="base" hangingPunct="0">
-              <a:spcBef>
-                <a:spcPct val="0"/>
-              </a:spcBef>
-              <a:spcAft>
-                <a:spcPct val="0"/>
-              </a:spcAft>
-            </a:pPr>
-            <a:r>
-              <a:rPr kumimoji="0" lang="en-US" altLang="en-US" sz="1800" b="1" i="0" u="none" strike="noStrike" cap="none" normalizeH="0" baseline="0" dirty="0">
-                <a:ln>
-                  <a:noFill/>
-                </a:ln>
-                <a:solidFill>
-                  <a:schemeClr val="tx1"/>
-                </a:solidFill>
-                <a:effectLst/>
-              </a:rPr>
+            <a:pPr defTabSz="914377" eaLnBrk="0" fontAlgn="base" hangingPunct="0">
+              <a:spcBef>
+                <a:spcPct val="0"/>
+              </a:spcBef>
+              <a:spcAft>
+                <a:spcPct val="0"/>
+              </a:spcAft>
+            </a:pPr>
+            <a:r>
+              <a:rPr lang="en-US" altLang="en-US" sz="1800" b="1" dirty="0"/>
               <a:t>The "Black Box" Problem</a:t>
             </a:r>
             <a:r>
-              <a:rPr kumimoji="0" lang="en-US" altLang="en-US" sz="1800" b="0" i="0" u="none" strike="noStrike" cap="none" normalizeH="0" baseline="0" dirty="0">
-                <a:ln>
-                  <a:noFill/>
-                </a:ln>
-                <a:solidFill>
-                  <a:schemeClr val="tx1"/>
-                </a:solidFill>
-                <a:effectLst/>
-              </a:rPr>
+              <a:rPr lang="en-US" altLang="en-US" sz="1800" dirty="0"/>
               <a:t>:</a:t>
             </a:r>
           </a:p>
           <a:p>
-            <a:pPr marL="400050" lvl="1" indent="0" defTabSz="914400" eaLnBrk="0" fontAlgn="base" hangingPunct="0">
-              <a:spcBef>
-                <a:spcPct val="0"/>
-              </a:spcBef>
-              <a:spcAft>
-                <a:spcPct val="0"/>
-              </a:spcAft>
-              <a:buNone/>
-            </a:pPr>
-            <a:r>
-              <a:rPr kumimoji="0" lang="en-US" altLang="en-US" sz="1600" b="0" i="0" u="none" strike="noStrike" cap="none" normalizeH="0" baseline="0" dirty="0">
-                <a:ln>
-                  <a:noFill/>
-                </a:ln>
-                <a:solidFill>
-                  <a:schemeClr val="tx1"/>
-                </a:solidFill>
-                <a:effectLst/>
-              </a:rPr>
+            <a:pPr marL="400041" lvl="1" indent="0" defTabSz="914377" eaLnBrk="0" fontAlgn="base" hangingPunct="0">
+              <a:spcBef>
+                <a:spcPct val="0"/>
+              </a:spcBef>
+              <a:spcAft>
+                <a:spcPct val="0"/>
+              </a:spcAft>
+              <a:buNone/>
+            </a:pPr>
+            <a:r>
+              <a:rPr lang="en-US" altLang="en-US" sz="1600" dirty="0"/>
               <a:t>AI systems, especially deep learning models, are complex and lack interpretability, making it hard to trace decisions.</a:t>
             </a:r>
           </a:p>
           <a:p>
-            <a:pPr marL="0" marR="0" lvl="0" indent="0" algn="l" defTabSz="914400" rtl="0" eaLnBrk="0" fontAlgn="base" latinLnBrk="0" hangingPunct="0">
-              <a:lnSpc>
-                <a:spcPct val="100000"/>
-              </a:lnSpc>
-              <a:spcBef>
-                <a:spcPct val="0"/>
-              </a:spcBef>
-              <a:spcAft>
-                <a:spcPct val="0"/>
-              </a:spcAft>
-              <a:buClrTx/>
-              <a:buSzTx/>
-              <a:buNone/>
-              <a:tabLst/>
-            </a:pPr>
-            <a:endParaRPr kumimoji="0" lang="en-US" altLang="en-US" sz="1800" b="0" i="0" u="none" strike="noStrike" cap="none" normalizeH="0" baseline="0" dirty="0">
-              <a:ln>
-                <a:noFill/>
-              </a:ln>
-              <a:solidFill>
-                <a:schemeClr val="tx1"/>
-              </a:solidFill>
-              <a:effectLst/>
-            </a:endParaRPr>
-          </a:p>
-          <a:p>
-            <a:pPr defTabSz="914400" eaLnBrk="0" fontAlgn="base" hangingPunct="0">
-              <a:spcBef>
-                <a:spcPct val="0"/>
-              </a:spcBef>
-              <a:spcAft>
-                <a:spcPct val="0"/>
-              </a:spcAft>
-            </a:pPr>
-            <a:r>
-              <a:rPr kumimoji="0" lang="en-US" altLang="en-US" sz="1800" b="1" i="0" u="none" strike="noStrike" cap="none" normalizeH="0" baseline="0" dirty="0">
-                <a:ln>
-                  <a:noFill/>
-                </a:ln>
-                <a:solidFill>
-                  <a:schemeClr val="tx1"/>
-                </a:solidFill>
-                <a:effectLst/>
-              </a:rPr>
+            <a:pPr marL="0" indent="0" defTabSz="914377" eaLnBrk="0" fontAlgn="base" hangingPunct="0">
+              <a:spcBef>
+                <a:spcPct val="0"/>
+              </a:spcBef>
+              <a:spcAft>
+                <a:spcPct val="0"/>
+              </a:spcAft>
+              <a:buNone/>
+            </a:pPr>
+            <a:endParaRPr lang="en-US" altLang="en-US" sz="1800" dirty="0"/>
+          </a:p>
+          <a:p>
+            <a:pPr defTabSz="914377" eaLnBrk="0" fontAlgn="base" hangingPunct="0">
+              <a:spcBef>
+                <a:spcPct val="0"/>
+              </a:spcBef>
+              <a:spcAft>
+                <a:spcPct val="0"/>
+              </a:spcAft>
+            </a:pPr>
+            <a:r>
+              <a:rPr lang="en-US" altLang="en-US" sz="1800" b="1" dirty="0"/>
               <a:t>Ethical Questions</a:t>
             </a:r>
             <a:r>
-              <a:rPr kumimoji="0" lang="en-US" altLang="en-US" sz="1800" b="0" i="0" u="none" strike="noStrike" cap="none" normalizeH="0" baseline="0" dirty="0">
-                <a:ln>
-                  <a:noFill/>
-                </a:ln>
-                <a:solidFill>
-                  <a:schemeClr val="tx1"/>
-                </a:solidFill>
-                <a:effectLst/>
-              </a:rPr>
+              <a:rPr lang="en-US" altLang="en-US" sz="1800" dirty="0"/>
               <a:t>:</a:t>
             </a:r>
           </a:p>
           <a:p>
-            <a:pPr marL="685800" lvl="1" defTabSz="914400" eaLnBrk="0" fontAlgn="base" hangingPunct="0">
+            <a:pPr marL="685783" lvl="1" defTabSz="914377" eaLnBrk="0" fontAlgn="base" hangingPunct="0">
               <a:spcBef>
                 <a:spcPct val="0"/>
               </a:spcBef>
@@ -5924,20 +5576,12 @@
               <a:buChar char="§"/>
             </a:pPr>
             <a:r>
-              <a:rPr kumimoji="0" lang="en-US" altLang="en-US" sz="1600" b="0" i="0" u="none" strike="noStrike" cap="none" normalizeH="0" baseline="0" dirty="0">
-                <a:ln>
-                  <a:noFill/>
-                </a:ln>
-                <a:solidFill>
-                  <a:schemeClr val="tx1"/>
-                </a:solidFill>
-                <a:effectLst/>
-              </a:rPr>
+              <a:rPr lang="en-US" altLang="en-US" sz="1600" dirty="0"/>
               <a:t>Who is liable for AI errors or harm? Developers, deployers, or users?</a:t>
             </a:r>
           </a:p>
           <a:p>
-            <a:pPr marL="685800" lvl="1" defTabSz="914400" eaLnBrk="0" fontAlgn="base" hangingPunct="0">
+            <a:pPr marL="685783" lvl="1" defTabSz="914377" eaLnBrk="0" fontAlgn="base" hangingPunct="0">
               <a:spcBef>
                 <a:spcPct val="0"/>
               </a:spcBef>
@@ -5948,80 +5592,42 @@
               <a:buChar char="§"/>
             </a:pPr>
             <a:r>
-              <a:rPr kumimoji="0" lang="en-US" altLang="en-US" sz="1600" b="0" i="0" u="none" strike="noStrike" cap="none" normalizeH="0" baseline="0" dirty="0">
-                <a:ln>
-                  <a:noFill/>
-                </a:ln>
-                <a:solidFill>
-                  <a:schemeClr val="tx1"/>
-                </a:solidFill>
-                <a:effectLst/>
-              </a:rPr>
+              <a:rPr lang="en-US" altLang="en-US" sz="1600" dirty="0"/>
               <a:t>Case study: Accidents involving autonomous vehicles.</a:t>
             </a:r>
           </a:p>
           <a:p>
-            <a:pPr marL="0" marR="0" lvl="0" indent="0" algn="l" defTabSz="914400" rtl="0" eaLnBrk="0" fontAlgn="base" latinLnBrk="0" hangingPunct="0">
-              <a:lnSpc>
-                <a:spcPct val="100000"/>
-              </a:lnSpc>
-              <a:spcBef>
-                <a:spcPct val="0"/>
-              </a:spcBef>
-              <a:spcAft>
-                <a:spcPct val="0"/>
-              </a:spcAft>
-              <a:buClrTx/>
-              <a:buSzTx/>
-              <a:buNone/>
-              <a:tabLst/>
-            </a:pPr>
-            <a:endParaRPr kumimoji="0" lang="en-US" altLang="en-US" sz="1800" b="0" i="0" u="none" strike="noStrike" cap="none" normalizeH="0" baseline="0" dirty="0">
-              <a:ln>
-                <a:noFill/>
-              </a:ln>
-              <a:solidFill>
-                <a:schemeClr val="tx1"/>
-              </a:solidFill>
-              <a:effectLst/>
-            </a:endParaRPr>
-          </a:p>
-          <a:p>
-            <a:pPr defTabSz="914400" eaLnBrk="0" fontAlgn="base" hangingPunct="0">
-              <a:spcBef>
-                <a:spcPct val="0"/>
-              </a:spcBef>
-              <a:spcAft>
-                <a:spcPct val="0"/>
-              </a:spcAft>
-            </a:pPr>
-            <a:r>
-              <a:rPr kumimoji="0" lang="en-US" altLang="en-US" sz="1800" b="1" i="0" u="none" strike="noStrike" cap="none" normalizeH="0" baseline="0" dirty="0">
-                <a:ln>
-                  <a:noFill/>
-                </a:ln>
-                <a:solidFill>
-                  <a:schemeClr val="tx1"/>
-                </a:solidFill>
-                <a:effectLst/>
-              </a:rPr>
+            <a:pPr marL="0" indent="0" defTabSz="914377" eaLnBrk="0" fontAlgn="base" hangingPunct="0">
+              <a:spcBef>
+                <a:spcPct val="0"/>
+              </a:spcBef>
+              <a:spcAft>
+                <a:spcPct val="0"/>
+              </a:spcAft>
+              <a:buNone/>
+            </a:pPr>
+            <a:endParaRPr lang="en-US" altLang="en-US" sz="1800" dirty="0"/>
+          </a:p>
+          <a:p>
+            <a:pPr defTabSz="914377" eaLnBrk="0" fontAlgn="base" hangingPunct="0">
+              <a:spcBef>
+                <a:spcPct val="0"/>
+              </a:spcBef>
+              <a:spcAft>
+                <a:spcPct val="0"/>
+              </a:spcAft>
+            </a:pPr>
+            <a:r>
+              <a:rPr lang="en-US" altLang="en-US" sz="1800" b="1" dirty="0"/>
               <a:t>Solutions</a:t>
             </a:r>
             <a:r>
-              <a:rPr kumimoji="0" lang="en-US" altLang="en-US" sz="1800" b="0" i="0" u="none" strike="noStrike" cap="none" normalizeH="0" baseline="0" dirty="0">
-                <a:ln>
-                  <a:noFill/>
-                </a:ln>
-                <a:solidFill>
-                  <a:schemeClr val="tx1"/>
-                </a:solidFill>
-                <a:effectLst/>
-              </a:rPr>
+              <a:rPr lang="en-US" altLang="en-US" sz="1800" dirty="0"/>
               <a:t>:</a:t>
             </a:r>
           </a:p>
           <a:p>
-            <a:pPr marL="685800" lvl="1" defTabSz="914400" eaLnBrk="0" fontAlgn="base" hangingPunct="0">
+            <a:pPr marL="685783" lvl="1" defTabSz="914377" eaLnBrk="0" fontAlgn="base" hangingPunct="0">
               <a:spcBef>
                 <a:spcPct val="0"/>
               </a:spcBef>
@@ -6032,20 +5638,12 @@
               <a:buChar char="§"/>
             </a:pPr>
             <a:r>
-              <a:rPr kumimoji="0" lang="en-US" altLang="en-US" sz="1600" b="0" i="0" u="none" strike="noStrike" cap="none" normalizeH="0" baseline="0" dirty="0">
-                <a:ln>
-                  <a:noFill/>
-                </a:ln>
-                <a:solidFill>
-                  <a:schemeClr val="tx1"/>
-                </a:solidFill>
-                <a:effectLst/>
-              </a:rPr>
+              <a:rPr lang="en-US" altLang="en-US" sz="1600" dirty="0"/>
               <a:t>Enforcing transparency in AI algorithms.</a:t>
             </a:r>
           </a:p>
           <a:p>
-            <a:pPr marL="685800" lvl="1" defTabSz="914400" eaLnBrk="0" fontAlgn="base" hangingPunct="0">
+            <a:pPr marL="685783" lvl="1" defTabSz="914377" eaLnBrk="0" fontAlgn="base" hangingPunct="0">
               <a:spcBef>
                 <a:spcPct val="0"/>
               </a:spcBef>
@@ -6056,20 +5654,12 @@
               <a:buChar char="§"/>
             </a:pPr>
             <a:r>
-              <a:rPr kumimoji="0" lang="en-US" altLang="en-US" sz="1600" b="0" i="0" u="none" strike="noStrike" cap="none" normalizeH="0" baseline="0" dirty="0">
-                <a:ln>
-                  <a:noFill/>
-                </a:ln>
-                <a:solidFill>
-                  <a:schemeClr val="tx1"/>
-                </a:solidFill>
-                <a:effectLst/>
-              </a:rPr>
+              <a:rPr lang="en-US" altLang="en-US" sz="1600" dirty="0"/>
               <a:t>Developing accountability frameworks for creators and operators.</a:t>
             </a:r>
           </a:p>
           <a:p>
-            <a:pPr marL="685800" lvl="1" defTabSz="914400" eaLnBrk="0" fontAlgn="base" hangingPunct="0">
+            <a:pPr marL="685783" lvl="1" defTabSz="914377" eaLnBrk="0" fontAlgn="base" hangingPunct="0">
               <a:spcBef>
                 <a:spcPct val="0"/>
               </a:spcBef>
@@ -6080,43 +5670,21 @@
               <a:buChar char="§"/>
             </a:pPr>
             <a:r>
-              <a:rPr kumimoji="0" lang="en-US" altLang="en-US" sz="1600" b="0" i="0" u="none" strike="noStrike" cap="none" normalizeH="0" baseline="0" dirty="0">
-                <a:ln>
-                  <a:noFill/>
-                </a:ln>
-                <a:solidFill>
-                  <a:schemeClr val="tx1"/>
-                </a:solidFill>
-                <a:effectLst/>
-              </a:rPr>
+              <a:rPr lang="en-US" altLang="en-US" sz="1600" dirty="0"/>
               <a:t>Establishing regulations to clarify legal responsibility.</a:t>
             </a:r>
           </a:p>
           <a:p>
-            <a:pPr marL="0" marR="0" lvl="0" indent="0" algn="l" defTabSz="914400" rtl="0" eaLnBrk="0" fontAlgn="base" latinLnBrk="0" hangingPunct="0">
-              <a:lnSpc>
-                <a:spcPct val="100000"/>
-              </a:lnSpc>
-              <a:spcBef>
-                <a:spcPct val="0"/>
-              </a:spcBef>
-              <a:spcAft>
-                <a:spcPct val="0"/>
-              </a:spcAft>
-              <a:buClrTx/>
-              <a:buSzTx/>
-              <a:buFontTx/>
-              <a:buNone/>
-              <a:tabLst/>
-            </a:pPr>
-            <a:endParaRPr kumimoji="0" lang="en-US" altLang="en-US" sz="1800" b="0" i="0" u="none" strike="noStrike" cap="none" normalizeH="0" baseline="0" dirty="0">
-              <a:ln>
-                <a:noFill/>
-              </a:ln>
-              <a:solidFill>
-                <a:schemeClr val="tx1"/>
-              </a:solidFill>
-              <a:effectLst/>
+            <a:pPr marL="0" indent="0" defTabSz="914377" eaLnBrk="0" fontAlgn="base" hangingPunct="0">
+              <a:spcBef>
+                <a:spcPct val="0"/>
+              </a:spcBef>
+              <a:spcAft>
+                <a:spcPct val="0"/>
+              </a:spcAft>
+              <a:buNone/>
+            </a:pPr>
+            <a:endParaRPr lang="en-US" altLang="en-US" sz="1800" dirty="0">
               <a:latin typeface="Arial" panose="020B0604020202020204" pitchFamily="34" charset="0"/>
             </a:endParaRPr>
           </a:p>
@@ -6204,7 +5772,7 @@
         </p:nvSpPr>
         <p:spPr bwMode="auto">
           <a:xfrm>
-            <a:off x="457200" y="3267412"/>
+            <a:off x="457200" y="3267416"/>
             <a:ext cx="8229600" cy="3477875"/>
           </a:xfrm>
           <a:prstGeom prst="rect">
@@ -6245,7 +5813,7 @@
           </a:extLst>
         </p:spPr>
         <p:txBody>
-          <a:bodyPr vert="horz" wrap="square" lIns="91440" tIns="45720" rIns="91440" bIns="45720" numCol="1" anchor="ctr" anchorCtr="0" compatLnSpc="1">
+          <a:bodyPr vert="horz" wrap="square" lIns="91440" tIns="45720" rIns="91440" bIns="45720" numCol="1" rtlCol="0" anchor="ctr" anchorCtr="0" compatLnSpc="1">
             <a:prstTxWarp prst="textNoShape">
               <a:avLst/>
             </a:prstTxWarp>
@@ -6253,154 +5821,99 @@
           </a:bodyPr>
           <a:lstStyle/>
           <a:p>
-            <a:pPr defTabSz="914400" eaLnBrk="0" fontAlgn="base" hangingPunct="0">
-              <a:spcBef>
-                <a:spcPct val="0"/>
-              </a:spcBef>
-              <a:spcAft>
-                <a:spcPct val="0"/>
-              </a:spcAft>
-            </a:pPr>
-            <a:r>
-              <a:rPr kumimoji="0" lang="en-US" altLang="en-US" sz="1800" b="1" i="0" u="none" strike="noStrike" cap="none" normalizeH="0" baseline="0" dirty="0">
-                <a:ln>
-                  <a:noFill/>
-                </a:ln>
-                <a:solidFill>
-                  <a:schemeClr val="tx1"/>
-                </a:solidFill>
-                <a:effectLst/>
+            <a:pPr defTabSz="914377" eaLnBrk="0" fontAlgn="base" hangingPunct="0">
+              <a:spcBef>
+                <a:spcPct val="0"/>
+              </a:spcBef>
+              <a:spcAft>
+                <a:spcPct val="0"/>
+              </a:spcAft>
+            </a:pPr>
+            <a:r>
+              <a:rPr lang="en-US" altLang="en-US" sz="1800" b="1" dirty="0">
                 <a:latin typeface="Arial" panose="020B0604020202020204" pitchFamily="34" charset="0"/>
               </a:rPr>
               <a:t>Impact on Jobs</a:t>
             </a:r>
             <a:r>
-              <a:rPr kumimoji="0" lang="en-US" altLang="en-US" sz="1800" b="0" i="0" u="none" strike="noStrike" cap="none" normalizeH="0" baseline="0" dirty="0">
-                <a:ln>
-                  <a:noFill/>
-                </a:ln>
-                <a:solidFill>
-                  <a:schemeClr val="tx1"/>
-                </a:solidFill>
-                <a:effectLst/>
+              <a:rPr lang="en-US" altLang="en-US" sz="1800" dirty="0">
                 <a:latin typeface="Arial" panose="020B0604020202020204" pitchFamily="34" charset="0"/>
               </a:rPr>
               <a:t>:</a:t>
             </a:r>
           </a:p>
           <a:p>
-            <a:pPr marL="400050" lvl="1" indent="0" defTabSz="914400" eaLnBrk="0" fontAlgn="base" hangingPunct="0">
-              <a:spcBef>
-                <a:spcPct val="0"/>
-              </a:spcBef>
-              <a:spcAft>
-                <a:spcPct val="0"/>
-              </a:spcAft>
-              <a:buNone/>
-            </a:pPr>
-            <a:r>
-              <a:rPr kumimoji="0" lang="en-US" altLang="en-US" sz="1600" b="0" i="0" u="none" strike="noStrike" cap="none" normalizeH="0" baseline="0" dirty="0">
-                <a:ln>
-                  <a:noFill/>
-                </a:ln>
-                <a:solidFill>
-                  <a:schemeClr val="tx1"/>
-                </a:solidFill>
-                <a:effectLst/>
+            <a:pPr marL="400041" lvl="1" indent="0" defTabSz="914377" eaLnBrk="0" fontAlgn="base" hangingPunct="0">
+              <a:spcBef>
+                <a:spcPct val="0"/>
+              </a:spcBef>
+              <a:spcAft>
+                <a:spcPct val="0"/>
+              </a:spcAft>
+              <a:buNone/>
+            </a:pPr>
+            <a:r>
+              <a:rPr lang="en-US" altLang="en-US" sz="1600" dirty="0">
                 <a:latin typeface="Arial" panose="020B0604020202020204" pitchFamily="34" charset="0"/>
               </a:rPr>
               <a:t>Automation by AI is replacing roles in manufacturing, customer service, and transportation.</a:t>
             </a:r>
           </a:p>
           <a:p>
-            <a:pPr marL="400050" lvl="1" indent="0" defTabSz="914400" eaLnBrk="0" fontAlgn="base" hangingPunct="0">
-              <a:spcBef>
-                <a:spcPct val="0"/>
-              </a:spcBef>
-              <a:spcAft>
-                <a:spcPct val="0"/>
-              </a:spcAft>
-              <a:buNone/>
-            </a:pPr>
-            <a:r>
-              <a:rPr kumimoji="0" lang="en-US" altLang="en-US" sz="1600" b="0" i="0" u="none" strike="noStrike" cap="none" normalizeH="0" baseline="0" dirty="0">
-                <a:ln>
-                  <a:noFill/>
-                </a:ln>
-                <a:solidFill>
-                  <a:schemeClr val="tx1"/>
-                </a:solidFill>
-                <a:effectLst/>
+            <a:pPr marL="400041" lvl="1" indent="0" defTabSz="914377" eaLnBrk="0" fontAlgn="base" hangingPunct="0">
+              <a:spcBef>
+                <a:spcPct val="0"/>
+              </a:spcBef>
+              <a:spcAft>
+                <a:spcPct val="0"/>
+              </a:spcAft>
+              <a:buNone/>
+            </a:pPr>
+            <a:r>
+              <a:rPr lang="en-US" altLang="en-US" sz="1600" dirty="0">
                 <a:latin typeface="Arial" panose="020B0604020202020204" pitchFamily="34" charset="0"/>
               </a:rPr>
               <a:t>Example: Autonomous vehicles reducing demand for drivers.</a:t>
             </a:r>
           </a:p>
           <a:p>
-            <a:pPr marL="0" marR="0" lvl="0" indent="0" algn="l" defTabSz="914400" rtl="0" eaLnBrk="0" fontAlgn="base" latinLnBrk="0" hangingPunct="0">
-              <a:lnSpc>
-                <a:spcPct val="100000"/>
-              </a:lnSpc>
-              <a:spcBef>
-                <a:spcPct val="0"/>
-              </a:spcBef>
-              <a:spcAft>
-                <a:spcPct val="0"/>
-              </a:spcAft>
-              <a:buClrTx/>
-              <a:buSzTx/>
-              <a:buNone/>
-              <a:tabLst/>
-            </a:pPr>
-            <a:endParaRPr kumimoji="0" lang="en-US" altLang="en-US" sz="1800" b="0" i="0" u="none" strike="noStrike" cap="none" normalizeH="0" baseline="0" dirty="0">
-              <a:ln>
-                <a:noFill/>
-              </a:ln>
-              <a:solidFill>
-                <a:schemeClr val="tx1"/>
-              </a:solidFill>
-              <a:effectLst/>
+            <a:pPr marL="0" indent="0" defTabSz="914377" eaLnBrk="0" fontAlgn="base" hangingPunct="0">
+              <a:spcBef>
+                <a:spcPct val="0"/>
+              </a:spcBef>
+              <a:spcAft>
+                <a:spcPct val="0"/>
+              </a:spcAft>
+              <a:buNone/>
+            </a:pPr>
+            <a:endParaRPr lang="en-US" altLang="en-US" sz="1800" dirty="0">
               <a:latin typeface="Arial" panose="020B0604020202020204" pitchFamily="34" charset="0"/>
             </a:endParaRPr>
           </a:p>
           <a:p>
-            <a:pPr defTabSz="914400" eaLnBrk="0" fontAlgn="base" hangingPunct="0">
-              <a:spcBef>
-                <a:spcPct val="0"/>
-              </a:spcBef>
-              <a:spcAft>
-                <a:spcPct val="0"/>
-              </a:spcAft>
-            </a:pPr>
-            <a:r>
-              <a:rPr kumimoji="0" lang="en-US" altLang="en-US" sz="1800" b="1" i="0" u="none" strike="noStrike" cap="none" normalizeH="0" baseline="0" dirty="0">
-                <a:ln>
-                  <a:noFill/>
-                </a:ln>
-                <a:solidFill>
-                  <a:schemeClr val="tx1"/>
-                </a:solidFill>
-                <a:effectLst/>
+            <a:pPr defTabSz="914377" eaLnBrk="0" fontAlgn="base" hangingPunct="0">
+              <a:spcBef>
+                <a:spcPct val="0"/>
+              </a:spcBef>
+              <a:spcAft>
+                <a:spcPct val="0"/>
+              </a:spcAft>
+            </a:pPr>
+            <a:r>
+              <a:rPr lang="en-US" altLang="en-US" sz="1800" b="1" dirty="0">
                 <a:latin typeface="Arial" panose="020B0604020202020204" pitchFamily="34" charset="0"/>
               </a:rPr>
               <a:t>Ethical Concerns</a:t>
             </a:r>
             <a:r>
-              <a:rPr kumimoji="0" lang="en-US" altLang="en-US" sz="1800" b="0" i="0" u="none" strike="noStrike" cap="none" normalizeH="0" baseline="0" dirty="0">
-                <a:ln>
-                  <a:noFill/>
-                </a:ln>
-                <a:solidFill>
-                  <a:schemeClr val="tx1"/>
-                </a:solidFill>
-                <a:effectLst/>
+              <a:rPr lang="en-US" altLang="en-US" sz="1800" dirty="0">
                 <a:latin typeface="Arial" panose="020B0604020202020204" pitchFamily="34" charset="0"/>
               </a:rPr>
               <a:t>:</a:t>
             </a:r>
           </a:p>
           <a:p>
-            <a:pPr marL="685800" lvl="1" defTabSz="914400" eaLnBrk="0" fontAlgn="base" hangingPunct="0">
+            <a:pPr marL="685783" lvl="1" defTabSz="914377" eaLnBrk="0" fontAlgn="base" hangingPunct="0">
               <a:spcBef>
                 <a:spcPct val="0"/>
               </a:spcBef>
@@ -6411,21 +5924,14 @@
               <a:buChar char="§"/>
             </a:pPr>
             <a:r>
-              <a:rPr kumimoji="0" lang="en-US" altLang="en-US" sz="1600" b="0" i="0" u="none" strike="noStrike" cap="none" normalizeH="0" baseline="0" dirty="0">
-                <a:ln>
-                  <a:noFill/>
-                </a:ln>
-                <a:solidFill>
-                  <a:schemeClr val="tx1"/>
-                </a:solidFill>
-                <a:effectLst/>
+              <a:rPr lang="en-US" altLang="en-US" sz="1600" dirty="0">
                 <a:latin typeface="Arial" panose="020B0604020202020204" pitchFamily="34" charset="0"/>
               </a:rPr>
               <a:t>Widening economic inequality.</a:t>
             </a:r>
           </a:p>
           <a:p>
-            <a:pPr marL="685800" lvl="1" defTabSz="914400" eaLnBrk="0" fontAlgn="base" hangingPunct="0">
+            <a:pPr marL="685783" lvl="1" defTabSz="914377" eaLnBrk="0" fontAlgn="base" hangingPunct="0">
               <a:spcBef>
                 <a:spcPct val="0"/>
               </a:spcBef>
@@ -6436,84 +5942,50 @@
               <a:buChar char="§"/>
             </a:pPr>
             <a:r>
-              <a:rPr kumimoji="0" lang="en-US" altLang="en-US" sz="1600" b="0" i="0" u="none" strike="noStrike" cap="none" normalizeH="0" baseline="0" dirty="0">
-                <a:ln>
-                  <a:noFill/>
-                </a:ln>
-                <a:solidFill>
-                  <a:schemeClr val="tx1"/>
-                </a:solidFill>
-                <a:effectLst/>
+              <a:rPr lang="en-US" altLang="en-US" sz="1600" dirty="0">
                 <a:latin typeface="Arial" panose="020B0604020202020204" pitchFamily="34" charset="0"/>
               </a:rPr>
               <a:t>Social unrest due to mass unemployment in vulnerable sectors.</a:t>
             </a:r>
           </a:p>
           <a:p>
-            <a:pPr marL="0" marR="0" lvl="0" indent="0" algn="l" defTabSz="914400" rtl="0" eaLnBrk="0" fontAlgn="base" latinLnBrk="0" hangingPunct="0">
-              <a:lnSpc>
-                <a:spcPct val="100000"/>
-              </a:lnSpc>
-              <a:spcBef>
-                <a:spcPct val="0"/>
-              </a:spcBef>
-              <a:spcAft>
-                <a:spcPct val="0"/>
-              </a:spcAft>
-              <a:buClrTx/>
-              <a:buSzTx/>
-              <a:buNone/>
-              <a:tabLst/>
-            </a:pPr>
-            <a:endParaRPr kumimoji="0" lang="en-US" altLang="en-US" sz="1800" b="0" i="0" u="none" strike="noStrike" cap="none" normalizeH="0" baseline="0" dirty="0">
-              <a:ln>
-                <a:noFill/>
-              </a:ln>
-              <a:solidFill>
-                <a:schemeClr val="tx1"/>
-              </a:solidFill>
-              <a:effectLst/>
+            <a:pPr marL="0" indent="0" defTabSz="914377" eaLnBrk="0" fontAlgn="base" hangingPunct="0">
+              <a:spcBef>
+                <a:spcPct val="0"/>
+              </a:spcBef>
+              <a:spcAft>
+                <a:spcPct val="0"/>
+              </a:spcAft>
+              <a:buNone/>
+            </a:pPr>
+            <a:endParaRPr lang="en-US" altLang="en-US" sz="1800" dirty="0">
               <a:latin typeface="Arial" panose="020B0604020202020204" pitchFamily="34" charset="0"/>
             </a:endParaRPr>
           </a:p>
           <a:p>
-            <a:pPr defTabSz="914400" eaLnBrk="0" fontAlgn="base" hangingPunct="0">
-              <a:spcBef>
-                <a:spcPct val="0"/>
-              </a:spcBef>
-              <a:spcAft>
-                <a:spcPct val="0"/>
-              </a:spcAft>
-            </a:pPr>
-            <a:r>
-              <a:rPr kumimoji="0" lang="en-US" altLang="en-US" sz="1800" b="1" i="0" u="none" strike="noStrike" cap="none" normalizeH="0" baseline="0" dirty="0">
-                <a:ln>
-                  <a:noFill/>
-                </a:ln>
-                <a:solidFill>
-                  <a:schemeClr val="tx1"/>
-                </a:solidFill>
-                <a:effectLst/>
+            <a:pPr defTabSz="914377" eaLnBrk="0" fontAlgn="base" hangingPunct="0">
+              <a:spcBef>
+                <a:spcPct val="0"/>
+              </a:spcBef>
+              <a:spcAft>
+                <a:spcPct val="0"/>
+              </a:spcAft>
+            </a:pPr>
+            <a:r>
+              <a:rPr lang="en-US" altLang="en-US" sz="1800" b="1" dirty="0">
                 <a:latin typeface="Arial" panose="020B0604020202020204" pitchFamily="34" charset="0"/>
               </a:rPr>
               <a:t>Proposed Solutions</a:t>
             </a:r>
             <a:r>
-              <a:rPr kumimoji="0" lang="en-US" altLang="en-US" sz="1800" b="0" i="0" u="none" strike="noStrike" cap="none" normalizeH="0" baseline="0" dirty="0">
-                <a:ln>
-                  <a:noFill/>
-                </a:ln>
-                <a:solidFill>
-                  <a:schemeClr val="tx1"/>
-                </a:solidFill>
-                <a:effectLst/>
+              <a:rPr lang="en-US" altLang="en-US" sz="1800" dirty="0">
                 <a:latin typeface="Arial" panose="020B0604020202020204" pitchFamily="34" charset="0"/>
               </a:rPr>
               <a:t>:</a:t>
             </a:r>
           </a:p>
           <a:p>
-            <a:pPr marL="685800" lvl="1" defTabSz="914400" eaLnBrk="0" fontAlgn="base" hangingPunct="0">
+            <a:pPr marL="685783" lvl="1" defTabSz="914377" eaLnBrk="0" fontAlgn="base" hangingPunct="0">
               <a:spcBef>
                 <a:spcPct val="0"/>
               </a:spcBef>
@@ -6524,21 +5996,14 @@
               <a:buChar char="§"/>
             </a:pPr>
             <a:r>
-              <a:rPr kumimoji="0" lang="en-US" altLang="en-US" sz="1600" b="0" i="0" u="none" strike="noStrike" cap="none" normalizeH="0" baseline="0" dirty="0">
-                <a:ln>
-                  <a:noFill/>
-                </a:ln>
-                <a:solidFill>
-                  <a:schemeClr val="tx1"/>
-                </a:solidFill>
-                <a:effectLst/>
+              <a:rPr lang="en-US" altLang="en-US" sz="1600" dirty="0">
                 <a:latin typeface="Arial" panose="020B0604020202020204" pitchFamily="34" charset="0"/>
               </a:rPr>
               <a:t>Reskilling programs to help workers transition to AI-complementary roles.</a:t>
             </a:r>
           </a:p>
           <a:p>
-            <a:pPr marL="685800" lvl="1" defTabSz="914400" eaLnBrk="0" fontAlgn="base" hangingPunct="0">
+            <a:pPr marL="685783" lvl="1" defTabSz="914377" eaLnBrk="0" fontAlgn="base" hangingPunct="0">
               <a:spcBef>
                 <a:spcPct val="0"/>
               </a:spcBef>
@@ -6549,44 +6014,23 @@
               <a:buChar char="§"/>
             </a:pPr>
             <a:r>
-              <a:rPr kumimoji="0" lang="en-US" altLang="en-US" sz="1600" b="0" i="0" u="none" strike="noStrike" cap="none" normalizeH="0" baseline="0" dirty="0">
-                <a:ln>
-                  <a:noFill/>
-                </a:ln>
-                <a:solidFill>
-                  <a:schemeClr val="tx1"/>
-                </a:solidFill>
-                <a:effectLst/>
+              <a:rPr lang="en-US" altLang="en-US" sz="1600" dirty="0">
                 <a:latin typeface="Arial" panose="020B0604020202020204" pitchFamily="34" charset="0"/>
               </a:rPr>
               <a:t>Promoting innovation in industries that create new jobs.</a:t>
             </a:r>
           </a:p>
           <a:p>
-            <a:pPr marL="0" marR="0" lvl="0" indent="0" algn="l" defTabSz="914400" rtl="0" eaLnBrk="0" fontAlgn="base" latinLnBrk="0" hangingPunct="0">
-              <a:lnSpc>
-                <a:spcPct val="100000"/>
-              </a:lnSpc>
-              <a:spcBef>
-                <a:spcPct val="0"/>
-              </a:spcBef>
-              <a:spcAft>
-                <a:spcPct val="0"/>
-              </a:spcAft>
-              <a:buClrTx/>
-              <a:buSzTx/>
-              <a:buFontTx/>
-              <a:buNone/>
-              <a:tabLst/>
-            </a:pPr>
-            <a:endParaRPr kumimoji="0" lang="en-US" altLang="en-US" sz="1800" b="0" i="0" u="none" strike="noStrike" cap="none" normalizeH="0" baseline="0" dirty="0">
-              <a:ln>
-                <a:noFill/>
-              </a:ln>
-              <a:solidFill>
-                <a:schemeClr val="tx1"/>
-              </a:solidFill>
-              <a:effectLst/>
+            <a:pPr marL="0" indent="0" defTabSz="914377" eaLnBrk="0" fontAlgn="base" hangingPunct="0">
+              <a:spcBef>
+                <a:spcPct val="0"/>
+              </a:spcBef>
+              <a:spcAft>
+                <a:spcPct val="0"/>
+              </a:spcAft>
+              <a:buNone/>
+            </a:pPr>
+            <a:endParaRPr lang="en-US" altLang="en-US" sz="1800" dirty="0">
               <a:latin typeface="Arial" panose="020B0604020202020204" pitchFamily="34" charset="0"/>
             </a:endParaRPr>
           </a:p>
@@ -6621,8 +6065,8 @@
         </p:blipFill>
         <p:spPr bwMode="auto">
           <a:xfrm>
-            <a:off x="2571750" y="1198335"/>
-            <a:ext cx="3543300" cy="1993106"/>
+            <a:off x="2571751" y="1198336"/>
+            <a:ext cx="3543300" cy="1993107"/>
           </a:xfrm>
           <a:prstGeom prst="rect">
             <a:avLst/>
@@ -6721,7 +6165,7 @@
         </p:nvSpPr>
         <p:spPr bwMode="auto">
           <a:xfrm>
-            <a:off x="929239" y="3309921"/>
+            <a:off x="929243" y="3309923"/>
             <a:ext cx="7285521" cy="3416320"/>
           </a:xfrm>
           <a:prstGeom prst="rect">
@@ -6762,7 +6206,7 @@
           </a:extLst>
         </p:spPr>
         <p:txBody>
-          <a:bodyPr vert="horz" wrap="none" lIns="91440" tIns="45720" rIns="91440" bIns="45720" numCol="1" anchor="ctr" anchorCtr="0" compatLnSpc="1">
+          <a:bodyPr vert="horz" wrap="none" lIns="91440" tIns="45720" rIns="91440" bIns="45720" numCol="1" rtlCol="0" anchor="ctr" anchorCtr="0" compatLnSpc="1">
             <a:prstTxWarp prst="textNoShape">
               <a:avLst/>
             </a:prstTxWarp>
@@ -6770,41 +6214,25 @@
           </a:bodyPr>
           <a:lstStyle/>
           <a:p>
-            <a:pPr defTabSz="914400" eaLnBrk="0" fontAlgn="base" hangingPunct="0">
-              <a:spcBef>
-                <a:spcPct val="0"/>
-              </a:spcBef>
-              <a:spcAft>
-                <a:spcPct val="0"/>
-              </a:spcAft>
-            </a:pPr>
-            <a:r>
-              <a:rPr kumimoji="0" lang="en-US" altLang="en-US" sz="1800" b="1" i="0" u="none" strike="noStrike" cap="none" normalizeH="0" baseline="0" dirty="0">
-                <a:ln>
-                  <a:noFill/>
-                </a:ln>
-                <a:solidFill>
-                  <a:schemeClr val="tx1"/>
-                </a:solidFill>
-                <a:effectLst/>
-              </a:rPr>
+            <a:pPr defTabSz="914377" eaLnBrk="0" fontAlgn="base" hangingPunct="0">
+              <a:spcBef>
+                <a:spcPct val="0"/>
+              </a:spcBef>
+              <a:spcAft>
+                <a:spcPct val="0"/>
+              </a:spcAft>
+            </a:pPr>
+            <a:r>
+              <a:rPr lang="en-US" altLang="en-US" sz="1800" b="1" dirty="0"/>
               <a:t>Critical Applications of AI</a:t>
             </a:r>
             <a:r>
-              <a:rPr kumimoji="0" lang="en-US" altLang="en-US" sz="1800" b="0" i="0" u="none" strike="noStrike" cap="none" normalizeH="0" baseline="0" dirty="0">
-                <a:ln>
-                  <a:noFill/>
-                </a:ln>
-                <a:solidFill>
-                  <a:schemeClr val="tx1"/>
-                </a:solidFill>
-                <a:effectLst/>
-              </a:rPr>
+              <a:rPr lang="en-US" altLang="en-US" sz="1800" dirty="0"/>
               <a:t>:</a:t>
             </a:r>
           </a:p>
           <a:p>
-            <a:pPr lvl="1" defTabSz="914400" eaLnBrk="0" fontAlgn="base" hangingPunct="0">
+            <a:pPr lvl="1" defTabSz="914377" eaLnBrk="0" fontAlgn="base" hangingPunct="0">
               <a:spcBef>
                 <a:spcPct val="0"/>
               </a:spcBef>
@@ -6815,32 +6243,16 @@
               <a:buChar char="§"/>
             </a:pPr>
             <a:r>
-              <a:rPr kumimoji="0" lang="en-US" altLang="en-US" sz="1600" b="1" i="0" u="none" strike="noStrike" cap="none" normalizeH="0" baseline="0" dirty="0">
-                <a:ln>
-                  <a:noFill/>
-                </a:ln>
-                <a:solidFill>
-                  <a:schemeClr val="tx1"/>
-                </a:solidFill>
-                <a:effectLst/>
-              </a:rPr>
+              <a:rPr lang="en-US" altLang="en-US" sz="1600" b="1" dirty="0"/>
               <a:t>Healthcare</a:t>
             </a:r>
             <a:r>
-              <a:rPr kumimoji="0" lang="en-US" altLang="en-US" sz="1600" b="0" i="0" u="none" strike="noStrike" cap="none" normalizeH="0" baseline="0" dirty="0">
-                <a:ln>
-                  <a:noFill/>
-                </a:ln>
-                <a:solidFill>
-                  <a:schemeClr val="tx1"/>
-                </a:solidFill>
-                <a:effectLst/>
-              </a:rPr>
+              <a:rPr lang="en-US" altLang="en-US" sz="1600" dirty="0"/>
               <a:t>: AI diagnosing diseases or determining treatment plans.</a:t>
             </a:r>
           </a:p>
           <a:p>
-            <a:pPr lvl="1" defTabSz="914400" eaLnBrk="0" fontAlgn="base" hangingPunct="0">
+            <a:pPr lvl="1" defTabSz="914377" eaLnBrk="0" fontAlgn="base" hangingPunct="0">
               <a:spcBef>
                 <a:spcPct val="0"/>
               </a:spcBef>
@@ -6851,32 +6263,16 @@
               <a:buChar char="§"/>
             </a:pPr>
             <a:r>
-              <a:rPr kumimoji="0" lang="en-US" altLang="en-US" sz="1600" b="1" i="0" u="none" strike="noStrike" cap="none" normalizeH="0" baseline="0" dirty="0">
-                <a:ln>
-                  <a:noFill/>
-                </a:ln>
-                <a:solidFill>
-                  <a:schemeClr val="tx1"/>
-                </a:solidFill>
-                <a:effectLst/>
-              </a:rPr>
+              <a:rPr lang="en-US" altLang="en-US" sz="1600" b="1" dirty="0"/>
               <a:t>Judicial Systems</a:t>
             </a:r>
             <a:r>
-              <a:rPr kumimoji="0" lang="en-US" altLang="en-US" sz="1600" b="0" i="0" u="none" strike="noStrike" cap="none" normalizeH="0" baseline="0" dirty="0">
-                <a:ln>
-                  <a:noFill/>
-                </a:ln>
-                <a:solidFill>
-                  <a:schemeClr val="tx1"/>
-                </a:solidFill>
-                <a:effectLst/>
-              </a:rPr>
+              <a:rPr lang="en-US" altLang="en-US" sz="1600" dirty="0"/>
               <a:t>: AI used in sentencing or parole decisions.</a:t>
             </a:r>
           </a:p>
           <a:p>
-            <a:pPr lvl="1" defTabSz="914400" eaLnBrk="0" fontAlgn="base" hangingPunct="0">
+            <a:pPr lvl="1" defTabSz="914377" eaLnBrk="0" fontAlgn="base" hangingPunct="0">
               <a:spcBef>
                 <a:spcPct val="0"/>
               </a:spcBef>
@@ -6887,87 +6283,46 @@
               <a:buChar char="§"/>
             </a:pPr>
             <a:r>
-              <a:rPr kumimoji="0" lang="en-US" altLang="en-US" sz="1600" b="1" i="0" u="none" strike="noStrike" cap="none" normalizeH="0" baseline="0" dirty="0">
-                <a:ln>
-                  <a:noFill/>
-                </a:ln>
-                <a:solidFill>
-                  <a:schemeClr val="tx1"/>
-                </a:solidFill>
-                <a:effectLst/>
-              </a:rPr>
+              <a:rPr lang="en-US" altLang="en-US" sz="1600" b="1" dirty="0"/>
               <a:t>Warfare</a:t>
             </a:r>
             <a:r>
-              <a:rPr kumimoji="0" lang="en-US" altLang="en-US" sz="1600" b="0" i="0" u="none" strike="noStrike" cap="none" normalizeH="0" baseline="0" dirty="0">
-                <a:ln>
-                  <a:noFill/>
-                </a:ln>
-                <a:solidFill>
-                  <a:schemeClr val="tx1"/>
-                </a:solidFill>
-                <a:effectLst/>
-              </a:rPr>
+              <a:rPr lang="en-US" altLang="en-US" sz="1600" dirty="0"/>
               <a:t>: Autonomous weapons choosing targets.</a:t>
             </a:r>
+          </a:p>
+          <a:p>
+            <a:pPr marL="457189" lvl="1" indent="0" defTabSz="914377" eaLnBrk="0" fontAlgn="base" hangingPunct="0">
+              <a:spcBef>
+                <a:spcPct val="0"/>
+              </a:spcBef>
+              <a:spcAft>
+                <a:spcPct val="0"/>
+              </a:spcAft>
+              <a:buNone/>
+            </a:pPr>
             <a:endParaRPr lang="en-US" altLang="en-US" sz="1600" dirty="0"/>
           </a:p>
           <a:p>
-            <a:pPr marL="457200" lvl="1" indent="0" defTabSz="914400" eaLnBrk="0" fontAlgn="base" hangingPunct="0">
-              <a:spcBef>
-                <a:spcPct val="0"/>
-              </a:spcBef>
-              <a:spcAft>
-                <a:spcPct val="0"/>
-              </a:spcAft>
-              <a:buNone/>
-            </a:pPr>
-            <a:endParaRPr kumimoji="0" lang="en-US" altLang="en-US" sz="1600" b="0" i="0" u="none" strike="noStrike" cap="none" normalizeH="0" baseline="0" dirty="0">
-              <a:ln>
-                <a:noFill/>
-              </a:ln>
-              <a:solidFill>
-                <a:schemeClr val="tx1"/>
-              </a:solidFill>
-              <a:effectLst/>
-            </a:endParaRPr>
-          </a:p>
-          <a:p>
-            <a:pPr defTabSz="914400" eaLnBrk="0" fontAlgn="base" hangingPunct="0">
-              <a:spcBef>
-                <a:spcPct val="0"/>
-              </a:spcBef>
-              <a:spcAft>
-                <a:spcPct val="0"/>
-              </a:spcAft>
-            </a:pPr>
-            <a:r>
-              <a:rPr kumimoji="0" lang="en-US" altLang="en-US" sz="1800" b="1" i="0" u="none" strike="noStrike" cap="none" normalizeH="0" baseline="0" dirty="0">
-                <a:ln>
-                  <a:noFill/>
-                </a:ln>
-                <a:solidFill>
-                  <a:schemeClr val="tx1"/>
-                </a:solidFill>
-                <a:effectLst/>
-              </a:rPr>
+            <a:pPr defTabSz="914377" eaLnBrk="0" fontAlgn="base" hangingPunct="0">
+              <a:spcBef>
+                <a:spcPct val="0"/>
+              </a:spcBef>
+              <a:spcAft>
+                <a:spcPct val="0"/>
+              </a:spcAft>
+            </a:pPr>
+            <a:r>
+              <a:rPr lang="en-US" altLang="en-US" sz="1800" b="1" dirty="0"/>
               <a:t>Moral Challenges</a:t>
             </a:r>
             <a:r>
-              <a:rPr kumimoji="0" lang="en-US" altLang="en-US" sz="1800" b="0" i="0" u="none" strike="noStrike" cap="none" normalizeH="0" baseline="0" dirty="0">
-                <a:ln>
-                  <a:noFill/>
-                </a:ln>
-                <a:solidFill>
-                  <a:schemeClr val="tx1"/>
-                </a:solidFill>
-                <a:effectLst/>
-              </a:rPr>
+              <a:rPr lang="en-US" altLang="en-US" sz="1800" dirty="0"/>
               <a:t>:</a:t>
             </a:r>
           </a:p>
           <a:p>
-            <a:pPr lvl="1" defTabSz="914400" eaLnBrk="0" fontAlgn="base" hangingPunct="0">
+            <a:pPr lvl="1" defTabSz="914377" eaLnBrk="0" fontAlgn="base" hangingPunct="0">
               <a:spcBef>
                 <a:spcPct val="0"/>
               </a:spcBef>
@@ -6978,20 +6333,12 @@
               <a:buChar char="§"/>
             </a:pPr>
             <a:r>
-              <a:rPr kumimoji="0" lang="en-US" altLang="en-US" sz="1600" b="0" i="0" u="none" strike="noStrike" cap="none" normalizeH="0" baseline="0" dirty="0">
-                <a:ln>
-                  <a:noFill/>
-                </a:ln>
-                <a:solidFill>
-                  <a:schemeClr val="tx1"/>
-                </a:solidFill>
-                <a:effectLst/>
-              </a:rPr>
+              <a:rPr lang="en-US" altLang="en-US" sz="1600" dirty="0"/>
               <a:t>Can machines truly understand human ethics?</a:t>
             </a:r>
           </a:p>
           <a:p>
-            <a:pPr lvl="1" defTabSz="914400" eaLnBrk="0" fontAlgn="base" hangingPunct="0">
+            <a:pPr lvl="1" defTabSz="914377" eaLnBrk="0" fontAlgn="base" hangingPunct="0">
               <a:spcBef>
                 <a:spcPct val="0"/>
               </a:spcBef>
@@ -7002,74 +6349,42 @@
               <a:buChar char="§"/>
             </a:pPr>
             <a:r>
-              <a:rPr kumimoji="0" lang="en-US" altLang="en-US" sz="1600" b="0" i="0" u="none" strike="noStrike" cap="none" normalizeH="0" baseline="0" dirty="0">
-                <a:ln>
-                  <a:noFill/>
-                </a:ln>
-                <a:solidFill>
-                  <a:schemeClr val="tx1"/>
-                </a:solidFill>
-                <a:effectLst/>
-              </a:rPr>
+              <a:rPr lang="en-US" altLang="en-US" sz="1600" dirty="0"/>
               <a:t>Is it ethical to let machines make decisions with life-or-death consequences?</a:t>
             </a:r>
           </a:p>
           <a:p>
-            <a:pPr marL="457200" lvl="1" indent="0" defTabSz="914400" eaLnBrk="0" fontAlgn="base" hangingPunct="0">
-              <a:spcBef>
-                <a:spcPct val="0"/>
-              </a:spcBef>
-              <a:spcAft>
-                <a:spcPct val="0"/>
-              </a:spcAft>
-              <a:buNone/>
-            </a:pPr>
-            <a:endParaRPr kumimoji="0" lang="en-US" altLang="en-US" sz="1600" b="0" i="0" u="none" strike="noStrike" cap="none" normalizeH="0" baseline="0" dirty="0">
-              <a:ln>
-                <a:noFill/>
-              </a:ln>
-              <a:solidFill>
-                <a:schemeClr val="tx1"/>
-              </a:solidFill>
-              <a:effectLst/>
-            </a:endParaRPr>
-          </a:p>
-          <a:p>
-            <a:pPr defTabSz="914400" eaLnBrk="0" fontAlgn="base" hangingPunct="0">
-              <a:spcBef>
-                <a:spcPct val="0"/>
-              </a:spcBef>
-              <a:spcAft>
-                <a:spcPct val="0"/>
-              </a:spcAft>
-            </a:pPr>
-            <a:r>
-              <a:rPr kumimoji="0" lang="en-US" altLang="en-US" sz="1800" b="1" i="0" u="none" strike="noStrike" cap="none" normalizeH="0" baseline="0" dirty="0">
-                <a:ln>
-                  <a:noFill/>
-                </a:ln>
-                <a:solidFill>
-                  <a:schemeClr val="tx1"/>
-                </a:solidFill>
-                <a:effectLst/>
-              </a:rPr>
+            <a:pPr marL="457189" lvl="1" indent="0" defTabSz="914377" eaLnBrk="0" fontAlgn="base" hangingPunct="0">
+              <a:spcBef>
+                <a:spcPct val="0"/>
+              </a:spcBef>
+              <a:spcAft>
+                <a:spcPct val="0"/>
+              </a:spcAft>
+              <a:buNone/>
+            </a:pPr>
+            <a:endParaRPr lang="en-US" altLang="en-US" sz="1600" dirty="0"/>
+          </a:p>
+          <a:p>
+            <a:pPr defTabSz="914377" eaLnBrk="0" fontAlgn="base" hangingPunct="0">
+              <a:spcBef>
+                <a:spcPct val="0"/>
+              </a:spcBef>
+              <a:spcAft>
+                <a:spcPct val="0"/>
+              </a:spcAft>
+            </a:pPr>
+            <a:r>
+              <a:rPr lang="en-US" altLang="en-US" sz="1800" b="1" dirty="0"/>
               <a:t>Solutions</a:t>
             </a:r>
             <a:r>
-              <a:rPr kumimoji="0" lang="en-US" altLang="en-US" sz="1800" b="0" i="0" u="none" strike="noStrike" cap="none" normalizeH="0" baseline="0" dirty="0">
-                <a:ln>
-                  <a:noFill/>
-                </a:ln>
-                <a:solidFill>
-                  <a:schemeClr val="tx1"/>
-                </a:solidFill>
-                <a:effectLst/>
-              </a:rPr>
+              <a:rPr lang="en-US" altLang="en-US" sz="1800" dirty="0"/>
               <a:t>:</a:t>
             </a:r>
           </a:p>
           <a:p>
-            <a:pPr lvl="1" defTabSz="914400" eaLnBrk="0" fontAlgn="base" hangingPunct="0">
+            <a:pPr lvl="1" defTabSz="914377" eaLnBrk="0" fontAlgn="base" hangingPunct="0">
               <a:spcBef>
                 <a:spcPct val="0"/>
               </a:spcBef>
@@ -7080,20 +6395,12 @@
               <a:buChar char="§"/>
             </a:pPr>
             <a:r>
-              <a:rPr kumimoji="0" lang="en-US" altLang="en-US" sz="1600" b="0" i="0" u="none" strike="noStrike" cap="none" normalizeH="0" baseline="0" dirty="0">
-                <a:ln>
-                  <a:noFill/>
-                </a:ln>
-                <a:solidFill>
-                  <a:schemeClr val="tx1"/>
-                </a:solidFill>
-                <a:effectLst/>
-              </a:rPr>
+              <a:rPr lang="en-US" altLang="en-US" sz="1600" dirty="0"/>
               <a:t>Ensuring human oversight in critical applications.</a:t>
             </a:r>
           </a:p>
           <a:p>
-            <a:pPr lvl="1" defTabSz="914400" eaLnBrk="0" fontAlgn="base" hangingPunct="0">
+            <a:pPr lvl="1" defTabSz="914377" eaLnBrk="0" fontAlgn="base" hangingPunct="0">
               <a:spcBef>
                 <a:spcPct val="0"/>
               </a:spcBef>
@@ -7104,43 +6411,21 @@
               <a:buChar char="§"/>
             </a:pPr>
             <a:r>
-              <a:rPr kumimoji="0" lang="en-US" altLang="en-US" sz="1600" b="0" i="0" u="none" strike="noStrike" cap="none" normalizeH="0" baseline="0" dirty="0">
-                <a:ln>
-                  <a:noFill/>
-                </a:ln>
-                <a:solidFill>
-                  <a:schemeClr val="tx1"/>
-                </a:solidFill>
-                <a:effectLst/>
-              </a:rPr>
+              <a:rPr lang="en-US" altLang="en-US" sz="1600" dirty="0"/>
               <a:t>Designing AI systems with ethical constraints built-in.</a:t>
             </a:r>
           </a:p>
           <a:p>
-            <a:pPr marL="0" marR="0" lvl="0" indent="0" algn="l" defTabSz="914400" rtl="0" eaLnBrk="0" fontAlgn="base" latinLnBrk="0" hangingPunct="0">
-              <a:lnSpc>
-                <a:spcPct val="100000"/>
-              </a:lnSpc>
-              <a:spcBef>
-                <a:spcPct val="0"/>
-              </a:spcBef>
-              <a:spcAft>
-                <a:spcPct val="0"/>
-              </a:spcAft>
-              <a:buClrTx/>
-              <a:buSzTx/>
-              <a:buFontTx/>
-              <a:buNone/>
-              <a:tabLst/>
-            </a:pPr>
-            <a:endParaRPr kumimoji="0" lang="en-US" altLang="en-US" sz="1800" b="0" i="0" u="none" strike="noStrike" cap="none" normalizeH="0" baseline="0" dirty="0">
-              <a:ln>
-                <a:noFill/>
-              </a:ln>
-              <a:solidFill>
-                <a:schemeClr val="tx1"/>
-              </a:solidFill>
-              <a:effectLst/>
+            <a:pPr marL="0" indent="0" defTabSz="914377" eaLnBrk="0" fontAlgn="base" hangingPunct="0">
+              <a:spcBef>
+                <a:spcPct val="0"/>
+              </a:spcBef>
+              <a:spcAft>
+                <a:spcPct val="0"/>
+              </a:spcAft>
+              <a:buNone/>
+            </a:pPr>
+            <a:endParaRPr lang="en-US" altLang="en-US" sz="1800" dirty="0">
               <a:latin typeface="Arial" panose="020B0604020202020204" pitchFamily="34" charset="0"/>
             </a:endParaRPr>
           </a:p>
@@ -7175,7 +6460,7 @@
         </p:blipFill>
         <p:spPr bwMode="auto">
           <a:xfrm>
-            <a:off x="2933700" y="1069173"/>
+            <a:off x="2933700" y="1069178"/>
             <a:ext cx="3276600" cy="2016019"/>
           </a:xfrm>
           <a:prstGeom prst="rect">
@@ -7269,7 +6554,7 @@
         </p:nvSpPr>
         <p:spPr bwMode="auto">
           <a:xfrm>
-            <a:off x="825910" y="2331818"/>
+            <a:off x="825915" y="2331824"/>
             <a:ext cx="7492179" cy="3108543"/>
           </a:xfrm>
           <a:prstGeom prst="rect">
@@ -7310,7 +6595,7 @@
           </a:extLst>
         </p:spPr>
         <p:txBody>
-          <a:bodyPr vert="horz" wrap="none" lIns="91440" tIns="45720" rIns="91440" bIns="45720" numCol="1" anchor="ctr" anchorCtr="0" compatLnSpc="1">
+          <a:bodyPr vert="horz" wrap="none" lIns="91440" tIns="45720" rIns="91440" bIns="45720" numCol="1" rtlCol="0" anchor="ctr" anchorCtr="0" compatLnSpc="1">
             <a:prstTxWarp prst="textNoShape">
               <a:avLst/>
             </a:prstTxWarp>
@@ -7318,41 +6603,25 @@
           </a:bodyPr>
           <a:lstStyle/>
           <a:p>
-            <a:pPr defTabSz="914400" eaLnBrk="0" fontAlgn="base" hangingPunct="0">
-              <a:spcBef>
-                <a:spcPct val="0"/>
-              </a:spcBef>
-              <a:spcAft>
-                <a:spcPct val="0"/>
-              </a:spcAft>
-            </a:pPr>
-            <a:r>
-              <a:rPr kumimoji="0" lang="en-US" altLang="en-US" sz="1800" b="1" i="0" u="none" strike="noStrike" cap="none" normalizeH="0" baseline="0" dirty="0">
-                <a:ln>
-                  <a:noFill/>
-                </a:ln>
-                <a:solidFill>
-                  <a:schemeClr val="tx1"/>
-                </a:solidFill>
-                <a:effectLst/>
-              </a:rPr>
+            <a:pPr defTabSz="914377" eaLnBrk="0" fontAlgn="base" hangingPunct="0">
+              <a:spcBef>
+                <a:spcPct val="0"/>
+              </a:spcBef>
+              <a:spcAft>
+                <a:spcPct val="0"/>
+              </a:spcAft>
+            </a:pPr>
+            <a:r>
+              <a:rPr lang="en-US" altLang="en-US" sz="1800" b="1" dirty="0"/>
               <a:t>Disparities in Access</a:t>
             </a:r>
             <a:r>
-              <a:rPr kumimoji="0" lang="en-US" altLang="en-US" sz="1800" b="0" i="0" u="none" strike="noStrike" cap="none" normalizeH="0" baseline="0" dirty="0">
-                <a:ln>
-                  <a:noFill/>
-                </a:ln>
-                <a:solidFill>
-                  <a:schemeClr val="tx1"/>
-                </a:solidFill>
-                <a:effectLst/>
-              </a:rPr>
+              <a:rPr lang="en-US" altLang="en-US" sz="1800" dirty="0"/>
               <a:t>:</a:t>
             </a:r>
           </a:p>
           <a:p>
-            <a:pPr marL="685800" lvl="1" defTabSz="914400" eaLnBrk="0" fontAlgn="base" hangingPunct="0">
+            <a:pPr marL="685783" lvl="1" defTabSz="914377" eaLnBrk="0" fontAlgn="base" hangingPunct="0">
               <a:spcBef>
                 <a:spcPct val="0"/>
               </a:spcBef>
@@ -7363,20 +6632,12 @@
               <a:buChar char="§"/>
             </a:pPr>
             <a:r>
-              <a:rPr kumimoji="0" lang="en-US" altLang="en-US" sz="1600" b="0" i="0" u="none" strike="noStrike" cap="none" normalizeH="0" baseline="0" dirty="0">
-                <a:ln>
-                  <a:noFill/>
-                </a:ln>
-                <a:solidFill>
-                  <a:schemeClr val="tx1"/>
-                </a:solidFill>
-                <a:effectLst/>
-              </a:rPr>
+              <a:rPr lang="en-US" altLang="en-US" sz="1600" dirty="0"/>
               <a:t>Developed nations lead in AI advancements, leaving developing nations behind.</a:t>
             </a:r>
           </a:p>
           <a:p>
-            <a:pPr marL="685800" lvl="1" defTabSz="914400" eaLnBrk="0" fontAlgn="base" hangingPunct="0">
+            <a:pPr marL="685783" lvl="1" defTabSz="914377" eaLnBrk="0" fontAlgn="base" hangingPunct="0">
               <a:spcBef>
                 <a:spcPct val="0"/>
               </a:spcBef>
@@ -7387,74 +6648,42 @@
               <a:buChar char="§"/>
             </a:pPr>
             <a:r>
-              <a:rPr kumimoji="0" lang="en-US" altLang="en-US" sz="1600" b="0" i="0" u="none" strike="noStrike" cap="none" normalizeH="0" baseline="0" dirty="0">
-                <a:ln>
-                  <a:noFill/>
-                </a:ln>
-                <a:solidFill>
-                  <a:schemeClr val="tx1"/>
-                </a:solidFill>
-                <a:effectLst/>
-              </a:rPr>
+              <a:rPr lang="en-US" altLang="en-US" sz="1600" dirty="0"/>
               <a:t>Lack of infrastructure and funding for AI in poorer regions.</a:t>
             </a:r>
           </a:p>
           <a:p>
-            <a:pPr marL="400050" lvl="1" indent="0" defTabSz="914400" eaLnBrk="0" fontAlgn="base" hangingPunct="0">
-              <a:spcBef>
-                <a:spcPct val="0"/>
-              </a:spcBef>
-              <a:spcAft>
-                <a:spcPct val="0"/>
-              </a:spcAft>
-              <a:buNone/>
-            </a:pPr>
-            <a:endParaRPr kumimoji="0" lang="en-US" altLang="en-US" sz="1400" b="0" i="0" u="none" strike="noStrike" cap="none" normalizeH="0" baseline="0" dirty="0">
-              <a:ln>
-                <a:noFill/>
-              </a:ln>
-              <a:solidFill>
-                <a:schemeClr val="tx1"/>
-              </a:solidFill>
-              <a:effectLst/>
-            </a:endParaRPr>
-          </a:p>
-          <a:p>
-            <a:pPr defTabSz="914400" eaLnBrk="0" fontAlgn="base" hangingPunct="0">
-              <a:spcBef>
-                <a:spcPct val="0"/>
-              </a:spcBef>
-              <a:spcAft>
-                <a:spcPct val="0"/>
-              </a:spcAft>
-            </a:pPr>
-            <a:r>
-              <a:rPr kumimoji="0" lang="en-US" altLang="en-US" sz="1800" b="1" i="0" u="none" strike="noStrike" cap="none" normalizeH="0" baseline="0" dirty="0">
-                <a:ln>
-                  <a:noFill/>
-                </a:ln>
-                <a:solidFill>
-                  <a:schemeClr val="tx1"/>
-                </a:solidFill>
-                <a:effectLst/>
-              </a:rPr>
+            <a:pPr marL="400041" lvl="1" indent="0" defTabSz="914377" eaLnBrk="0" fontAlgn="base" hangingPunct="0">
+              <a:spcBef>
+                <a:spcPct val="0"/>
+              </a:spcBef>
+              <a:spcAft>
+                <a:spcPct val="0"/>
+              </a:spcAft>
+              <a:buNone/>
+            </a:pPr>
+            <a:endParaRPr lang="en-US" altLang="en-US" sz="1400" dirty="0"/>
+          </a:p>
+          <a:p>
+            <a:pPr defTabSz="914377" eaLnBrk="0" fontAlgn="base" hangingPunct="0">
+              <a:spcBef>
+                <a:spcPct val="0"/>
+              </a:spcBef>
+              <a:spcAft>
+                <a:spcPct val="0"/>
+              </a:spcAft>
+            </a:pPr>
+            <a:r>
+              <a:rPr lang="en-US" altLang="en-US" sz="1800" b="1" dirty="0"/>
               <a:t>Potential Harms</a:t>
             </a:r>
             <a:r>
-              <a:rPr kumimoji="0" lang="en-US" altLang="en-US" sz="1800" b="0" i="0" u="none" strike="noStrike" cap="none" normalizeH="0" baseline="0" dirty="0">
-                <a:ln>
-                  <a:noFill/>
-                </a:ln>
-                <a:solidFill>
-                  <a:schemeClr val="tx1"/>
-                </a:solidFill>
-                <a:effectLst/>
-              </a:rPr>
+              <a:rPr lang="en-US" altLang="en-US" sz="1800" dirty="0"/>
               <a:t>:</a:t>
             </a:r>
           </a:p>
           <a:p>
-            <a:pPr marL="685800" lvl="1" defTabSz="914400" eaLnBrk="0" fontAlgn="base" hangingPunct="0">
+            <a:pPr marL="685783" lvl="1" defTabSz="914377" eaLnBrk="0" fontAlgn="base" hangingPunct="0">
               <a:spcBef>
                 <a:spcPct val="0"/>
               </a:spcBef>
@@ -7465,20 +6694,12 @@
               <a:buChar char="§"/>
             </a:pPr>
             <a:r>
-              <a:rPr kumimoji="0" lang="en-US" altLang="en-US" sz="1600" b="0" i="0" u="none" strike="noStrike" cap="none" normalizeH="0" baseline="0" dirty="0">
-                <a:ln>
-                  <a:noFill/>
-                </a:ln>
-                <a:solidFill>
-                  <a:schemeClr val="tx1"/>
-                </a:solidFill>
-                <a:effectLst/>
-              </a:rPr>
+              <a:rPr lang="en-US" altLang="en-US" sz="1600" dirty="0"/>
               <a:t>AI reinforcing existing inequalities.</a:t>
             </a:r>
           </a:p>
           <a:p>
-            <a:pPr marL="685800" lvl="1" defTabSz="914400" eaLnBrk="0" fontAlgn="base" hangingPunct="0">
+            <a:pPr marL="685783" lvl="1" defTabSz="914377" eaLnBrk="0" fontAlgn="base" hangingPunct="0">
               <a:spcBef>
                 <a:spcPct val="0"/>
               </a:spcBef>
@@ -7489,74 +6710,42 @@
               <a:buChar char="§"/>
             </a:pPr>
             <a:r>
-              <a:rPr kumimoji="0" lang="en-US" altLang="en-US" sz="1600" b="0" i="0" u="none" strike="noStrike" cap="none" normalizeH="0" baseline="0" dirty="0">
-                <a:ln>
-                  <a:noFill/>
-                </a:ln>
-                <a:solidFill>
-                  <a:schemeClr val="tx1"/>
-                </a:solidFill>
-                <a:effectLst/>
-              </a:rPr>
+              <a:rPr lang="en-US" altLang="en-US" sz="1600" dirty="0"/>
               <a:t>Exploitation of resources in developing nations for AI projects.</a:t>
             </a:r>
           </a:p>
           <a:p>
-            <a:pPr marL="400050" lvl="1" indent="0" defTabSz="914400" eaLnBrk="0" fontAlgn="base" hangingPunct="0">
-              <a:spcBef>
-                <a:spcPct val="0"/>
-              </a:spcBef>
-              <a:spcAft>
-                <a:spcPct val="0"/>
-              </a:spcAft>
-              <a:buNone/>
-            </a:pPr>
-            <a:endParaRPr kumimoji="0" lang="en-US" altLang="en-US" sz="1400" b="0" i="0" u="none" strike="noStrike" cap="none" normalizeH="0" baseline="0" dirty="0">
-              <a:ln>
-                <a:noFill/>
-              </a:ln>
-              <a:solidFill>
-                <a:schemeClr val="tx1"/>
-              </a:solidFill>
-              <a:effectLst/>
-            </a:endParaRPr>
-          </a:p>
-          <a:p>
-            <a:pPr defTabSz="914400" eaLnBrk="0" fontAlgn="base" hangingPunct="0">
-              <a:spcBef>
-                <a:spcPct val="0"/>
-              </a:spcBef>
-              <a:spcAft>
-                <a:spcPct val="0"/>
-              </a:spcAft>
-            </a:pPr>
-            <a:r>
-              <a:rPr kumimoji="0" lang="en-US" altLang="en-US" sz="1800" b="1" i="0" u="none" strike="noStrike" cap="none" normalizeH="0" baseline="0" dirty="0">
-                <a:ln>
-                  <a:noFill/>
-                </a:ln>
-                <a:solidFill>
-                  <a:schemeClr val="tx1"/>
-                </a:solidFill>
-                <a:effectLst/>
-              </a:rPr>
+            <a:pPr marL="400041" lvl="1" indent="0" defTabSz="914377" eaLnBrk="0" fontAlgn="base" hangingPunct="0">
+              <a:spcBef>
+                <a:spcPct val="0"/>
+              </a:spcBef>
+              <a:spcAft>
+                <a:spcPct val="0"/>
+              </a:spcAft>
+              <a:buNone/>
+            </a:pPr>
+            <a:endParaRPr lang="en-US" altLang="en-US" sz="1400" dirty="0"/>
+          </a:p>
+          <a:p>
+            <a:pPr defTabSz="914377" eaLnBrk="0" fontAlgn="base" hangingPunct="0">
+              <a:spcBef>
+                <a:spcPct val="0"/>
+              </a:spcBef>
+              <a:spcAft>
+                <a:spcPct val="0"/>
+              </a:spcAft>
+            </a:pPr>
+            <a:r>
+              <a:rPr lang="en-US" altLang="en-US" sz="1800" b="1" dirty="0"/>
               <a:t>Solutions</a:t>
             </a:r>
             <a:r>
-              <a:rPr kumimoji="0" lang="en-US" altLang="en-US" sz="1800" b="0" i="0" u="none" strike="noStrike" cap="none" normalizeH="0" baseline="0" dirty="0">
-                <a:ln>
-                  <a:noFill/>
-                </a:ln>
-                <a:solidFill>
-                  <a:schemeClr val="tx1"/>
-                </a:solidFill>
-                <a:effectLst/>
-              </a:rPr>
+              <a:rPr lang="en-US" altLang="en-US" sz="1800" dirty="0"/>
               <a:t>:</a:t>
             </a:r>
           </a:p>
           <a:p>
-            <a:pPr marL="685800" lvl="1" defTabSz="914400" eaLnBrk="0" fontAlgn="base" hangingPunct="0">
+            <a:pPr marL="685783" lvl="1" defTabSz="914377" eaLnBrk="0" fontAlgn="base" hangingPunct="0">
               <a:spcBef>
                 <a:spcPct val="0"/>
               </a:spcBef>
@@ -7567,20 +6756,12 @@
               <a:buChar char="§"/>
             </a:pPr>
             <a:r>
-              <a:rPr kumimoji="0" lang="en-US" altLang="en-US" sz="1600" b="0" i="0" u="none" strike="noStrike" cap="none" normalizeH="0" baseline="0" dirty="0">
-                <a:ln>
-                  <a:noFill/>
-                </a:ln>
-                <a:solidFill>
-                  <a:schemeClr val="tx1"/>
-                </a:solidFill>
-                <a:effectLst/>
-              </a:rPr>
+              <a:rPr lang="en-US" altLang="en-US" sz="1600" dirty="0"/>
               <a:t>Promote open access to AI technologies and research.</a:t>
             </a:r>
           </a:p>
           <a:p>
-            <a:pPr marL="685800" lvl="1" defTabSz="914400" eaLnBrk="0" fontAlgn="base" hangingPunct="0">
+            <a:pPr marL="685783" lvl="1" defTabSz="914377" eaLnBrk="0" fontAlgn="base" hangingPunct="0">
               <a:spcBef>
                 <a:spcPct val="0"/>
               </a:spcBef>
@@ -7591,43 +6772,21 @@
               <a:buChar char="§"/>
             </a:pPr>
             <a:r>
-              <a:rPr kumimoji="0" lang="en-US" altLang="en-US" sz="1600" b="0" i="0" u="none" strike="noStrike" cap="none" normalizeH="0" baseline="0" dirty="0">
-                <a:ln>
-                  <a:noFill/>
-                </a:ln>
-                <a:solidFill>
-                  <a:schemeClr val="tx1"/>
-                </a:solidFill>
-                <a:effectLst/>
-              </a:rPr>
+              <a:rPr lang="en-US" altLang="en-US" sz="1600" dirty="0"/>
               <a:t>Encourage international collaboration for equitable AI development.</a:t>
             </a:r>
           </a:p>
           <a:p>
-            <a:pPr marL="0" marR="0" lvl="0" indent="0" algn="l" defTabSz="914400" rtl="0" eaLnBrk="0" fontAlgn="base" latinLnBrk="0" hangingPunct="0">
-              <a:lnSpc>
-                <a:spcPct val="100000"/>
-              </a:lnSpc>
-              <a:spcBef>
-                <a:spcPct val="0"/>
-              </a:spcBef>
-              <a:spcAft>
-                <a:spcPct val="0"/>
-              </a:spcAft>
-              <a:buClrTx/>
-              <a:buSzTx/>
-              <a:buFontTx/>
-              <a:buNone/>
-              <a:tabLst/>
-            </a:pPr>
-            <a:endParaRPr kumimoji="0" lang="en-US" altLang="en-US" sz="1800" b="0" i="0" u="none" strike="noStrike" cap="none" normalizeH="0" baseline="0" dirty="0">
-              <a:ln>
-                <a:noFill/>
-              </a:ln>
-              <a:solidFill>
-                <a:schemeClr val="tx1"/>
-              </a:solidFill>
-              <a:effectLst/>
+            <a:pPr marL="0" indent="0" defTabSz="914377" eaLnBrk="0" fontAlgn="base" hangingPunct="0">
+              <a:spcBef>
+                <a:spcPct val="0"/>
+              </a:spcBef>
+              <a:spcAft>
+                <a:spcPct val="0"/>
+              </a:spcAft>
+              <a:buNone/>
+            </a:pPr>
+            <a:endParaRPr lang="en-US" altLang="en-US" sz="1800" dirty="0">
               <a:latin typeface="Arial" panose="020B0604020202020204" pitchFamily="34" charset="0"/>
             </a:endParaRPr>
           </a:p>
@@ -7709,7 +6868,7 @@
         </p:nvSpPr>
         <p:spPr bwMode="auto">
           <a:xfrm>
-            <a:off x="457201" y="2647465"/>
+            <a:off x="457201" y="2647471"/>
             <a:ext cx="8229600" cy="2431435"/>
           </a:xfrm>
           <a:prstGeom prst="rect">
@@ -7750,7 +6909,7 @@
           </a:extLst>
         </p:spPr>
         <p:txBody>
-          <a:bodyPr vert="horz" wrap="square" lIns="91440" tIns="45720" rIns="91440" bIns="45720" numCol="1" anchor="ctr" anchorCtr="0" compatLnSpc="1">
+          <a:bodyPr vert="horz" wrap="square" lIns="91440" tIns="45720" rIns="91440" bIns="45720" numCol="1" rtlCol="0" anchor="ctr" anchorCtr="0" compatLnSpc="1">
             <a:prstTxWarp prst="textNoShape">
               <a:avLst/>
             </a:prstTxWarp>
@@ -7758,41 +6917,25 @@
           </a:bodyPr>
           <a:lstStyle/>
           <a:p>
-            <a:pPr defTabSz="914400" eaLnBrk="0" fontAlgn="base" hangingPunct="0">
-              <a:spcBef>
-                <a:spcPct val="0"/>
-              </a:spcBef>
-              <a:spcAft>
-                <a:spcPct val="0"/>
-              </a:spcAft>
-            </a:pPr>
-            <a:r>
-              <a:rPr kumimoji="0" lang="en-US" altLang="en-US" sz="1800" b="1" i="0" u="none" strike="noStrike" cap="none" normalizeH="0" baseline="0" dirty="0">
-                <a:ln>
-                  <a:noFill/>
-                </a:ln>
-                <a:solidFill>
-                  <a:schemeClr val="tx1"/>
-                </a:solidFill>
-                <a:effectLst/>
-              </a:rPr>
+            <a:pPr defTabSz="914377" eaLnBrk="0" fontAlgn="base" hangingPunct="0">
+              <a:spcBef>
+                <a:spcPct val="0"/>
+              </a:spcBef>
+              <a:spcAft>
+                <a:spcPct val="0"/>
+              </a:spcAft>
+            </a:pPr>
+            <a:r>
+              <a:rPr lang="en-US" altLang="en-US" sz="1800" b="1" dirty="0"/>
               <a:t>Existing Frameworks</a:t>
             </a:r>
             <a:r>
-              <a:rPr kumimoji="0" lang="en-US" altLang="en-US" sz="1800" b="0" i="0" u="none" strike="noStrike" cap="none" normalizeH="0" baseline="0" dirty="0">
-                <a:ln>
-                  <a:noFill/>
-                </a:ln>
-                <a:solidFill>
-                  <a:schemeClr val="tx1"/>
-                </a:solidFill>
-                <a:effectLst/>
-              </a:rPr>
+              <a:rPr lang="en-US" altLang="en-US" sz="1800" dirty="0"/>
               <a:t>:</a:t>
             </a:r>
           </a:p>
           <a:p>
-            <a:pPr marL="685800" lvl="1" defTabSz="914400" eaLnBrk="0" fontAlgn="base" hangingPunct="0">
+            <a:pPr marL="685783" lvl="1" defTabSz="914377" eaLnBrk="0" fontAlgn="base" hangingPunct="0">
               <a:spcBef>
                 <a:spcPct val="0"/>
               </a:spcBef>
@@ -7803,20 +6946,12 @@
               <a:buChar char="§"/>
             </a:pPr>
             <a:r>
-              <a:rPr kumimoji="0" lang="en-US" altLang="en-US" sz="1600" b="0" i="0" u="none" strike="noStrike" cap="none" normalizeH="0" baseline="0" dirty="0">
-                <a:ln>
-                  <a:noFill/>
-                </a:ln>
-                <a:solidFill>
-                  <a:schemeClr val="tx1"/>
-                </a:solidFill>
-                <a:effectLst/>
-              </a:rPr>
-              <a:t>Example: Asilomar AI Principles focusing on safety and shared benefits.</a:t>
-            </a:r>
-          </a:p>
-          <a:p>
-            <a:pPr marL="685800" lvl="1" defTabSz="914400" eaLnBrk="0" fontAlgn="base" hangingPunct="0">
+              <a:rPr lang="en-US" altLang="en-US" sz="1600" dirty="0"/>
+              <a:t>Asilomar AI Principles focusing on safety and shared benefits (2017).</a:t>
+            </a:r>
+          </a:p>
+          <a:p>
+            <a:pPr marL="685783" lvl="1" defTabSz="914377" eaLnBrk="0" fontAlgn="base" hangingPunct="0">
               <a:spcBef>
                 <a:spcPct val="0"/>
               </a:spcBef>
@@ -7827,80 +6962,42 @@
               <a:buChar char="§"/>
             </a:pPr>
             <a:r>
-              <a:rPr kumimoji="0" lang="en-US" altLang="en-US" sz="1600" b="0" i="0" u="none" strike="noStrike" cap="none" normalizeH="0" baseline="0" dirty="0">
-                <a:ln>
-                  <a:noFill/>
-                </a:ln>
-                <a:solidFill>
-                  <a:schemeClr val="tx1"/>
-                </a:solidFill>
-                <a:effectLst/>
-              </a:rPr>
-              <a:t>OECD Principles on AI emphasizing human rights and sustainability.</a:t>
-            </a:r>
-          </a:p>
-          <a:p>
-            <a:pPr marL="0" marR="0" lvl="0" indent="0" algn="l" defTabSz="914400" rtl="0" eaLnBrk="0" fontAlgn="base" latinLnBrk="0" hangingPunct="0">
-              <a:lnSpc>
-                <a:spcPct val="100000"/>
-              </a:lnSpc>
-              <a:spcBef>
-                <a:spcPct val="0"/>
-              </a:spcBef>
-              <a:spcAft>
-                <a:spcPct val="0"/>
-              </a:spcAft>
-              <a:buClrTx/>
-              <a:buSzTx/>
-              <a:buNone/>
-              <a:tabLst/>
-            </a:pPr>
-            <a:endParaRPr kumimoji="0" lang="en-US" altLang="en-US" sz="1800" b="0" i="0" u="none" strike="noStrike" cap="none" normalizeH="0" baseline="0" dirty="0">
-              <a:ln>
-                <a:noFill/>
-              </a:ln>
-              <a:solidFill>
-                <a:schemeClr val="tx1"/>
-              </a:solidFill>
-              <a:effectLst/>
-            </a:endParaRPr>
-          </a:p>
-          <a:p>
-            <a:pPr defTabSz="914400" eaLnBrk="0" fontAlgn="base" hangingPunct="0">
-              <a:spcBef>
-                <a:spcPct val="0"/>
-              </a:spcBef>
-              <a:spcAft>
-                <a:spcPct val="0"/>
-              </a:spcAft>
-            </a:pPr>
-            <a:r>
-              <a:rPr kumimoji="0" lang="en-US" altLang="en-US" sz="1800" b="1" i="0" u="none" strike="noStrike" cap="none" normalizeH="0" baseline="0" dirty="0">
-                <a:ln>
-                  <a:noFill/>
-                </a:ln>
-                <a:solidFill>
-                  <a:schemeClr val="tx1"/>
-                </a:solidFill>
-                <a:effectLst/>
-              </a:rPr>
+              <a:rPr lang="en-US" altLang="en-US" sz="1600" dirty="0"/>
+              <a:t>OECD Principles on AI emphasizing human rights and sustainability (2019).</a:t>
+            </a:r>
+          </a:p>
+          <a:p>
+            <a:pPr marL="0" indent="0" defTabSz="914377" eaLnBrk="0" fontAlgn="base" hangingPunct="0">
+              <a:spcBef>
+                <a:spcPct val="0"/>
+              </a:spcBef>
+              <a:spcAft>
+                <a:spcPct val="0"/>
+              </a:spcAft>
+              <a:buNone/>
+            </a:pPr>
+            <a:endParaRPr lang="en-US" altLang="en-US" sz="1800" dirty="0"/>
+          </a:p>
+          <a:p>
+            <a:pPr defTabSz="914377" eaLnBrk="0" fontAlgn="base" hangingPunct="0">
+              <a:spcBef>
+                <a:spcPct val="0"/>
+              </a:spcBef>
+              <a:spcAft>
+                <a:spcPct val="0"/>
+              </a:spcAft>
+            </a:pPr>
+            <a:r>
+              <a:rPr lang="en-US" altLang="en-US" sz="1800" b="1" dirty="0"/>
               <a:t>Key Strategies</a:t>
             </a:r>
             <a:r>
-              <a:rPr kumimoji="0" lang="en-US" altLang="en-US" sz="1800" b="0" i="0" u="none" strike="noStrike" cap="none" normalizeH="0" baseline="0" dirty="0">
-                <a:ln>
-                  <a:noFill/>
-                </a:ln>
-                <a:solidFill>
-                  <a:schemeClr val="tx1"/>
-                </a:solidFill>
-                <a:effectLst/>
-              </a:rPr>
+              <a:rPr lang="en-US" altLang="en-US" sz="1800" dirty="0"/>
               <a:t>:</a:t>
             </a:r>
           </a:p>
           <a:p>
-            <a:pPr marL="685800" lvl="1" defTabSz="914400" eaLnBrk="0" fontAlgn="base" hangingPunct="0">
+            <a:pPr marL="685783" lvl="1" defTabSz="914377" eaLnBrk="0" fontAlgn="base" hangingPunct="0">
               <a:spcBef>
                 <a:spcPct val="0"/>
               </a:spcBef>
@@ -7911,20 +7008,12 @@
               <a:buChar char="§"/>
             </a:pPr>
             <a:r>
-              <a:rPr kumimoji="0" lang="en-US" altLang="en-US" sz="1600" b="0" i="0" u="none" strike="noStrike" cap="none" normalizeH="0" baseline="0" dirty="0">
-                <a:ln>
-                  <a:noFill/>
-                </a:ln>
-                <a:solidFill>
-                  <a:schemeClr val="tx1"/>
-                </a:solidFill>
-                <a:effectLst/>
-              </a:rPr>
+              <a:rPr lang="en-US" altLang="en-US" sz="1600" dirty="0"/>
               <a:t>Establish clear and enforceable regulations for AI ethics.</a:t>
             </a:r>
           </a:p>
           <a:p>
-            <a:pPr marL="685800" lvl="1" defTabSz="914400" eaLnBrk="0" fontAlgn="base" hangingPunct="0">
+            <a:pPr marL="685783" lvl="1" defTabSz="914377" eaLnBrk="0" fontAlgn="base" hangingPunct="0">
               <a:spcBef>
                 <a:spcPct val="0"/>
               </a:spcBef>
@@ -7935,20 +7024,12 @@
               <a:buChar char="§"/>
             </a:pPr>
             <a:r>
-              <a:rPr kumimoji="0" lang="en-US" altLang="en-US" sz="1600" b="0" i="0" u="none" strike="noStrike" cap="none" normalizeH="0" baseline="0" dirty="0">
-                <a:ln>
-                  <a:noFill/>
-                </a:ln>
-                <a:solidFill>
-                  <a:schemeClr val="tx1"/>
-                </a:solidFill>
-                <a:effectLst/>
-              </a:rPr>
+              <a:rPr lang="en-US" altLang="en-US" sz="1600" dirty="0"/>
               <a:t>Promote interdisciplinary collaboration among technologists, ethicists, and policymakers.</a:t>
             </a:r>
           </a:p>
           <a:p>
-            <a:pPr marL="685800" lvl="1" defTabSz="914400" eaLnBrk="0" fontAlgn="base" hangingPunct="0">
+            <a:pPr marL="685783" lvl="1" defTabSz="914377" eaLnBrk="0" fontAlgn="base" hangingPunct="0">
               <a:spcBef>
                 <a:spcPct val="0"/>
               </a:spcBef>
@@ -7959,43 +7040,21 @@
               <a:buChar char="§"/>
             </a:pPr>
             <a:r>
-              <a:rPr kumimoji="0" lang="en-US" altLang="en-US" sz="1600" b="0" i="0" u="none" strike="noStrike" cap="none" normalizeH="0" baseline="0" dirty="0">
-                <a:ln>
-                  <a:noFill/>
-                </a:ln>
-                <a:solidFill>
-                  <a:schemeClr val="tx1"/>
-                </a:solidFill>
-                <a:effectLst/>
-              </a:rPr>
+              <a:rPr lang="en-US" altLang="en-US" sz="1600" dirty="0"/>
               <a:t>Build public trust through transparency and education.</a:t>
             </a:r>
           </a:p>
           <a:p>
-            <a:pPr marL="0" marR="0" lvl="0" indent="0" algn="l" defTabSz="914400" rtl="0" eaLnBrk="0" fontAlgn="base" latinLnBrk="0" hangingPunct="0">
-              <a:lnSpc>
-                <a:spcPct val="100000"/>
-              </a:lnSpc>
-              <a:spcBef>
-                <a:spcPct val="0"/>
-              </a:spcBef>
-              <a:spcAft>
-                <a:spcPct val="0"/>
-              </a:spcAft>
-              <a:buClrTx/>
-              <a:buSzTx/>
-              <a:buFontTx/>
-              <a:buNone/>
-              <a:tabLst/>
-            </a:pPr>
-            <a:endParaRPr kumimoji="0" lang="en-US" altLang="en-US" sz="1800" b="0" i="0" u="none" strike="noStrike" cap="none" normalizeH="0" baseline="0" dirty="0">
-              <a:ln>
-                <a:noFill/>
-              </a:ln>
-              <a:solidFill>
-                <a:schemeClr val="tx1"/>
-              </a:solidFill>
-              <a:effectLst/>
+            <a:pPr marL="0" indent="0" defTabSz="914377" eaLnBrk="0" fontAlgn="base" hangingPunct="0">
+              <a:spcBef>
+                <a:spcPct val="0"/>
+              </a:spcBef>
+              <a:spcAft>
+                <a:spcPct val="0"/>
+              </a:spcAft>
+              <a:buNone/>
+            </a:pPr>
+            <a:endParaRPr lang="en-US" altLang="en-US" sz="1800" dirty="0">
               <a:latin typeface="Arial" panose="020B0604020202020204" pitchFamily="34" charset="0"/>
             </a:endParaRPr>
           </a:p>
